--- a/Resources/KS4/Vocational/Year 10/YEAR 10 Business studies/Component three/B3-and-B4-PowerPoint.pptx
+++ b/Resources/KS4/Vocational/Year 10/YEAR 10 Business studies/Component three/B3-and-B4-PowerPoint.pptx
@@ -19085,6 +19085,285 @@
 </file>
 
 <file path=ppt/theme/theme1.xml><?xml version="1.0" encoding="utf-8"?>
+<a:theme xmlns:a="http://schemas.openxmlformats.org/drawingml/2006/main" xmlns:r="http://schemas.openxmlformats.org/officeDocument/2006/relationships" name="Office Theme">
+  <a:themeElements>
+    <a:clrScheme name="Office">
+      <a:dk1>
+        <a:srgbClr val="000000"/>
+      </a:dk1>
+      <a:lt1>
+        <a:srgbClr val="FFFFFF"/>
+      </a:lt1>
+      <a:dk2>
+        <a:srgbClr val="44546A"/>
+      </a:dk2>
+      <a:lt2>
+        <a:srgbClr val="E7E6E6"/>
+      </a:lt2>
+      <a:accent1>
+        <a:srgbClr val="5B9BD5"/>
+      </a:accent1>
+      <a:accent2>
+        <a:srgbClr val="ED7D31"/>
+      </a:accent2>
+      <a:accent3>
+        <a:srgbClr val="A5A5A5"/>
+      </a:accent3>
+      <a:accent4>
+        <a:srgbClr val="FFC000"/>
+      </a:accent4>
+      <a:accent5>
+        <a:srgbClr val="4472C4"/>
+      </a:accent5>
+      <a:accent6>
+        <a:srgbClr val="70AD47"/>
+      </a:accent6>
+      <a:hlink>
+        <a:srgbClr val="0563C1"/>
+      </a:hlink>
+      <a:folHlink>
+        <a:srgbClr val="954F72"/>
+      </a:folHlink>
+    </a:clrScheme>
+    <a:fontScheme name="Office">
+      <a:majorFont>
+        <a:latin typeface="Arial"/>
+        <a:ea typeface=""/>
+        <a:cs typeface=""/>
+        <a:font script="Jpan" typeface="ＭＳ Ｐゴシック"/>
+        <a:font script="Hang" typeface="맑은 고딕"/>
+        <a:font script="Hans" typeface="宋体"/>
+        <a:font script="Hant" typeface="新細明體"/>
+        <a:font script="Arab" typeface="Times New Roman"/>
+        <a:font script="Hebr" typeface="Times New Roman"/>
+        <a:font script="Thai" typeface="Angsana New"/>
+        <a:font script="Ethi" typeface="Nyala"/>
+        <a:font script="Beng" typeface="Vrinda"/>
+        <a:font script="Gujr" typeface="Shruti"/>
+        <a:font script="Khmr" typeface="MoolBoran"/>
+        <a:font script="Knda" typeface="Tunga"/>
+        <a:font script="Guru" typeface="Raavi"/>
+        <a:font script="Cans" typeface="Euphemia"/>
+        <a:font script="Cher" typeface="Plantagenet Cherokee"/>
+        <a:font script="Yiii" typeface="Microsoft Yi Baiti"/>
+        <a:font script="Tibt" typeface="Microsoft Himalaya"/>
+        <a:font script="Thaa" typeface="MV Boli"/>
+        <a:font script="Deva" typeface="Mangal"/>
+        <a:font script="Telu" typeface="Gautami"/>
+        <a:font script="Taml" typeface="Latha"/>
+        <a:font script="Syrc" typeface="Estrangelo Edessa"/>
+        <a:font script="Orya" typeface="Kalinga"/>
+        <a:font script="Mlym" typeface="Kartika"/>
+        <a:font script="Laoo" typeface="DokChampa"/>
+        <a:font script="Sinh" typeface="Iskoola Pota"/>
+        <a:font script="Mong" typeface="Mongolian Baiti"/>
+        <a:font script="Viet" typeface="Times New Roman"/>
+        <a:font script="Uigh" typeface="Microsoft Uighur"/>
+        <a:font script="Geor" typeface="Sylfaen"/>
+      </a:majorFont>
+      <a:minorFont>
+        <a:latin typeface="Arial"/>
+        <a:ea typeface=""/>
+        <a:cs typeface=""/>
+        <a:font script="Jpan" typeface="ＭＳ Ｐゴシック"/>
+        <a:font script="Hang" typeface="맑은 고딕"/>
+        <a:font script="Hans" typeface="宋体"/>
+        <a:font script="Hant" typeface="新細明體"/>
+        <a:font script="Arab" typeface="Arial"/>
+        <a:font script="Hebr" typeface="Arial"/>
+        <a:font script="Thai" typeface="Cordia New"/>
+        <a:font script="Ethi" typeface="Nyala"/>
+        <a:font script="Beng" typeface="Vrinda"/>
+        <a:font script="Gujr" typeface="Shruti"/>
+        <a:font script="Khmr" typeface="DaunPenh"/>
+        <a:font script="Knda" typeface="Tunga"/>
+        <a:font script="Guru" typeface="Raavi"/>
+        <a:font script="Cans" typeface="Euphemia"/>
+        <a:font script="Cher" typeface="Plantagenet Cherokee"/>
+        <a:font script="Yiii" typeface="Microsoft Yi Baiti"/>
+        <a:font script="Tibt" typeface="Microsoft Himalaya"/>
+        <a:font script="Thaa" typeface="MV Boli"/>
+        <a:font script="Deva" typeface="Mangal"/>
+        <a:font script="Telu" typeface="Gautami"/>
+        <a:font script="Taml" typeface="Latha"/>
+        <a:font script="Syrc" typeface="Estrangelo Edessa"/>
+        <a:font script="Orya" typeface="Kalinga"/>
+        <a:font script="Mlym" typeface="Kartika"/>
+        <a:font script="Laoo" typeface="DokChampa"/>
+        <a:font script="Sinh" typeface="Iskoola Pota"/>
+        <a:font script="Mong" typeface="Mongolian Baiti"/>
+        <a:font script="Viet" typeface="Arial"/>
+        <a:font script="Uigh" typeface="Microsoft Uighur"/>
+        <a:font script="Geor" typeface="Sylfaen"/>
+      </a:minorFont>
+    </a:fontScheme>
+    <a:fmtScheme name="Office">
+      <a:fillStyleLst>
+        <a:solidFill>
+          <a:schemeClr val="phClr"/>
+        </a:solidFill>
+        <a:gradFill rotWithShape="1">
+          <a:gsLst>
+            <a:gs pos="0">
+              <a:schemeClr val="phClr">
+                <a:tint val="50000"/>
+                <a:satMod val="300000"/>
+              </a:schemeClr>
+            </a:gs>
+            <a:gs pos="35000">
+              <a:schemeClr val="phClr">
+                <a:tint val="37000"/>
+                <a:satMod val="300000"/>
+              </a:schemeClr>
+            </a:gs>
+            <a:gs pos="100000">
+              <a:schemeClr val="phClr">
+                <a:tint val="15000"/>
+                <a:satMod val="350000"/>
+              </a:schemeClr>
+            </a:gs>
+          </a:gsLst>
+          <a:lin ang="16200000" scaled="1"/>
+        </a:gradFill>
+        <a:gradFill rotWithShape="1">
+          <a:gsLst>
+            <a:gs pos="0">
+              <a:schemeClr val="phClr">
+                <a:tint val="100000"/>
+                <a:shade val="100000"/>
+                <a:satMod val="130000"/>
+              </a:schemeClr>
+            </a:gs>
+            <a:gs pos="100000">
+              <a:schemeClr val="phClr">
+                <a:tint val="50000"/>
+                <a:shade val="100000"/>
+                <a:satMod val="350000"/>
+              </a:schemeClr>
+            </a:gs>
+          </a:gsLst>
+          <a:lin ang="16200000" scaled="0"/>
+        </a:gradFill>
+      </a:fillStyleLst>
+      <a:lnStyleLst>
+        <a:ln w="9525" cap="flat" cmpd="sng" algn="ctr">
+          <a:solidFill>
+            <a:schemeClr val="phClr">
+              <a:shade val="95000"/>
+              <a:satMod val="105000"/>
+            </a:schemeClr>
+          </a:solidFill>
+          <a:prstDash val="solid"/>
+        </a:ln>
+        <a:ln w="25400" cap="flat" cmpd="sng" algn="ctr">
+          <a:solidFill>
+            <a:schemeClr val="phClr"/>
+          </a:solidFill>
+          <a:prstDash val="solid"/>
+        </a:ln>
+        <a:ln w="38100" cap="flat" cmpd="sng" algn="ctr">
+          <a:solidFill>
+            <a:schemeClr val="phClr"/>
+          </a:solidFill>
+          <a:prstDash val="solid"/>
+        </a:ln>
+      </a:lnStyleLst>
+      <a:effectStyleLst>
+        <a:effectStyle>
+          <a:effectLst>
+            <a:outerShdw blurRad="40000" dist="20000" dir="5400000" rotWithShape="0">
+              <a:srgbClr val="000000">
+                <a:alpha val="38000"/>
+              </a:srgbClr>
+            </a:outerShdw>
+          </a:effectLst>
+        </a:effectStyle>
+        <a:effectStyle>
+          <a:effectLst>
+            <a:outerShdw blurRad="40000" dist="23000" dir="5400000" rotWithShape="0">
+              <a:srgbClr val="000000">
+                <a:alpha val="35000"/>
+              </a:srgbClr>
+            </a:outerShdw>
+          </a:effectLst>
+        </a:effectStyle>
+        <a:effectStyle>
+          <a:effectLst>
+            <a:outerShdw blurRad="40000" dist="23000" dir="5400000" rotWithShape="0">
+              <a:srgbClr val="000000">
+                <a:alpha val="35000"/>
+              </a:srgbClr>
+            </a:outerShdw>
+          </a:effectLst>
+          <a:scene3d>
+            <a:camera prst="orthographicFront">
+              <a:rot lat="0" lon="0" rev="0"/>
+            </a:camera>
+            <a:lightRig rig="threePt" dir="t">
+              <a:rot lat="0" lon="0" rev="1200000"/>
+            </a:lightRig>
+          </a:scene3d>
+          <a:sp3d>
+            <a:bevelT w="63500" h="25400"/>
+          </a:sp3d>
+        </a:effectStyle>
+      </a:effectStyleLst>
+      <a:bgFillStyleLst>
+        <a:solidFill>
+          <a:schemeClr val="phClr"/>
+        </a:solidFill>
+        <a:gradFill rotWithShape="1">
+          <a:gsLst>
+            <a:gs pos="0">
+              <a:schemeClr val="phClr">
+                <a:tint val="40000"/>
+                <a:satMod val="350000"/>
+              </a:schemeClr>
+            </a:gs>
+            <a:gs pos="40000">
+              <a:schemeClr val="phClr">
+                <a:tint val="45000"/>
+                <a:shade val="99000"/>
+                <a:satMod val="350000"/>
+              </a:schemeClr>
+            </a:gs>
+            <a:gs pos="100000">
+              <a:schemeClr val="phClr">
+                <a:shade val="20000"/>
+                <a:satMod val="255000"/>
+              </a:schemeClr>
+            </a:gs>
+          </a:gsLst>
+          <a:path path="circle">
+            <a:fillToRect l="50000" t="-80000" r="50000" b="180000"/>
+          </a:path>
+        </a:gradFill>
+        <a:gradFill rotWithShape="1">
+          <a:gsLst>
+            <a:gs pos="0">
+              <a:schemeClr val="phClr">
+                <a:tint val="80000"/>
+                <a:satMod val="300000"/>
+              </a:schemeClr>
+            </a:gs>
+            <a:gs pos="100000">
+              <a:schemeClr val="phClr">
+                <a:shade val="30000"/>
+                <a:satMod val="200000"/>
+              </a:schemeClr>
+            </a:gs>
+          </a:gsLst>
+          <a:path path="circle">
+            <a:fillToRect l="50000" t="50000" r="50000" b="50000"/>
+          </a:path>
+        </a:gradFill>
+      </a:bgFillStyleLst>
+    </a:fmtScheme>
+  </a:themeElements>
+</a:theme>
+</file>
+
+<file path=ppt/theme/theme2.xml><?xml version="1.0" encoding="utf-8"?>
 <a:theme xmlns:a="http://schemas.openxmlformats.org/drawingml/2006/main" xmlns:r="http://schemas.openxmlformats.org/officeDocument/2006/relationships" name="Integral">
   <a:themeElements>
     <a:clrScheme name="Red Violet">
@@ -19361,283 +19640,4 @@
     </a:fmtScheme>
   </a:themeElements>
 </a:theme>
-</file>
-
-<file path=ppt/theme/theme2.xml><?xml version="1.0" encoding="utf-8"?>
-<a:theme xmlns:a="http://schemas.openxmlformats.org/drawingml/2006/main" xmlns:r="http://schemas.openxmlformats.org/officeDocument/2006/relationships" name="Office Theme">
-  <a:themeElements>
-    <a:clrScheme name="Office">
-      <a:dk1>
-        <a:srgbClr val="000000"/>
-      </a:dk1>
-      <a:lt1>
-        <a:srgbClr val="FFFFFF"/>
-      </a:lt1>
-      <a:dk2>
-        <a:srgbClr val="44546A"/>
-      </a:dk2>
-      <a:lt2>
-        <a:srgbClr val="E7E6E6"/>
-      </a:lt2>
-      <a:accent1>
-        <a:srgbClr val="5B9BD5"/>
-      </a:accent1>
-      <a:accent2>
-        <a:srgbClr val="ED7D31"/>
-      </a:accent2>
-      <a:accent3>
-        <a:srgbClr val="A5A5A5"/>
-      </a:accent3>
-      <a:accent4>
-        <a:srgbClr val="FFC000"/>
-      </a:accent4>
-      <a:accent5>
-        <a:srgbClr val="4472C4"/>
-      </a:accent5>
-      <a:accent6>
-        <a:srgbClr val="70AD47"/>
-      </a:accent6>
-      <a:hlink>
-        <a:srgbClr val="0563C1"/>
-      </a:hlink>
-      <a:folHlink>
-        <a:srgbClr val="954F72"/>
-      </a:folHlink>
-    </a:clrScheme>
-    <a:fontScheme name="Office">
-      <a:majorFont>
-        <a:latin typeface="Arial"/>
-        <a:ea typeface=""/>
-        <a:cs typeface=""/>
-        <a:font script="Jpan" typeface="ＭＳ Ｐゴシック"/>
-        <a:font script="Hang" typeface="맑은 고딕"/>
-        <a:font script="Hans" typeface="宋体"/>
-        <a:font script="Hant" typeface="新細明體"/>
-        <a:font script="Arab" typeface="Times New Roman"/>
-        <a:font script="Hebr" typeface="Times New Roman"/>
-        <a:font script="Thai" typeface="Angsana New"/>
-        <a:font script="Ethi" typeface="Nyala"/>
-        <a:font script="Beng" typeface="Vrinda"/>
-        <a:font script="Gujr" typeface="Shruti"/>
-        <a:font script="Khmr" typeface="MoolBoran"/>
-        <a:font script="Knda" typeface="Tunga"/>
-        <a:font script="Guru" typeface="Raavi"/>
-        <a:font script="Cans" typeface="Euphemia"/>
-        <a:font script="Cher" typeface="Plantagenet Cherokee"/>
-        <a:font script="Yiii" typeface="Microsoft Yi Baiti"/>
-        <a:font script="Tibt" typeface="Microsoft Himalaya"/>
-        <a:font script="Thaa" typeface="MV Boli"/>
-        <a:font script="Deva" typeface="Mangal"/>
-        <a:font script="Telu" typeface="Gautami"/>
-        <a:font script="Taml" typeface="Latha"/>
-        <a:font script="Syrc" typeface="Estrangelo Edessa"/>
-        <a:font script="Orya" typeface="Kalinga"/>
-        <a:font script="Mlym" typeface="Kartika"/>
-        <a:font script="Laoo" typeface="DokChampa"/>
-        <a:font script="Sinh" typeface="Iskoola Pota"/>
-        <a:font script="Mong" typeface="Mongolian Baiti"/>
-        <a:font script="Viet" typeface="Times New Roman"/>
-        <a:font script="Uigh" typeface="Microsoft Uighur"/>
-        <a:font script="Geor" typeface="Sylfaen"/>
-      </a:majorFont>
-      <a:minorFont>
-        <a:latin typeface="Arial"/>
-        <a:ea typeface=""/>
-        <a:cs typeface=""/>
-        <a:font script="Jpan" typeface="ＭＳ Ｐゴシック"/>
-        <a:font script="Hang" typeface="맑은 고딕"/>
-        <a:font script="Hans" typeface="宋体"/>
-        <a:font script="Hant" typeface="新細明體"/>
-        <a:font script="Arab" typeface="Arial"/>
-        <a:font script="Hebr" typeface="Arial"/>
-        <a:font script="Thai" typeface="Cordia New"/>
-        <a:font script="Ethi" typeface="Nyala"/>
-        <a:font script="Beng" typeface="Vrinda"/>
-        <a:font script="Gujr" typeface="Shruti"/>
-        <a:font script="Khmr" typeface="DaunPenh"/>
-        <a:font script="Knda" typeface="Tunga"/>
-        <a:font script="Guru" typeface="Raavi"/>
-        <a:font script="Cans" typeface="Euphemia"/>
-        <a:font script="Cher" typeface="Plantagenet Cherokee"/>
-        <a:font script="Yiii" typeface="Microsoft Yi Baiti"/>
-        <a:font script="Tibt" typeface="Microsoft Himalaya"/>
-        <a:font script="Thaa" typeface="MV Boli"/>
-        <a:font script="Deva" typeface="Mangal"/>
-        <a:font script="Telu" typeface="Gautami"/>
-        <a:font script="Taml" typeface="Latha"/>
-        <a:font script="Syrc" typeface="Estrangelo Edessa"/>
-        <a:font script="Orya" typeface="Kalinga"/>
-        <a:font script="Mlym" typeface="Kartika"/>
-        <a:font script="Laoo" typeface="DokChampa"/>
-        <a:font script="Sinh" typeface="Iskoola Pota"/>
-        <a:font script="Mong" typeface="Mongolian Baiti"/>
-        <a:font script="Viet" typeface="Arial"/>
-        <a:font script="Uigh" typeface="Microsoft Uighur"/>
-        <a:font script="Geor" typeface="Sylfaen"/>
-      </a:minorFont>
-    </a:fontScheme>
-    <a:fmtScheme name="Office">
-      <a:fillStyleLst>
-        <a:solidFill>
-          <a:schemeClr val="phClr"/>
-        </a:solidFill>
-        <a:gradFill rotWithShape="1">
-          <a:gsLst>
-            <a:gs pos="0">
-              <a:schemeClr val="phClr">
-                <a:tint val="50000"/>
-                <a:satMod val="300000"/>
-              </a:schemeClr>
-            </a:gs>
-            <a:gs pos="35000">
-              <a:schemeClr val="phClr">
-                <a:tint val="37000"/>
-                <a:satMod val="300000"/>
-              </a:schemeClr>
-            </a:gs>
-            <a:gs pos="100000">
-              <a:schemeClr val="phClr">
-                <a:tint val="15000"/>
-                <a:satMod val="350000"/>
-              </a:schemeClr>
-            </a:gs>
-          </a:gsLst>
-          <a:lin ang="16200000" scaled="1"/>
-        </a:gradFill>
-        <a:gradFill rotWithShape="1">
-          <a:gsLst>
-            <a:gs pos="0">
-              <a:schemeClr val="phClr">
-                <a:tint val="100000"/>
-                <a:shade val="100000"/>
-                <a:satMod val="130000"/>
-              </a:schemeClr>
-            </a:gs>
-            <a:gs pos="100000">
-              <a:schemeClr val="phClr">
-                <a:tint val="50000"/>
-                <a:shade val="100000"/>
-                <a:satMod val="350000"/>
-              </a:schemeClr>
-            </a:gs>
-          </a:gsLst>
-          <a:lin ang="16200000" scaled="0"/>
-        </a:gradFill>
-      </a:fillStyleLst>
-      <a:lnStyleLst>
-        <a:ln w="9525" cap="flat" cmpd="sng" algn="ctr">
-          <a:solidFill>
-            <a:schemeClr val="phClr">
-              <a:shade val="95000"/>
-              <a:satMod val="105000"/>
-            </a:schemeClr>
-          </a:solidFill>
-          <a:prstDash val="solid"/>
-        </a:ln>
-        <a:ln w="25400" cap="flat" cmpd="sng" algn="ctr">
-          <a:solidFill>
-            <a:schemeClr val="phClr"/>
-          </a:solidFill>
-          <a:prstDash val="solid"/>
-        </a:ln>
-        <a:ln w="38100" cap="flat" cmpd="sng" algn="ctr">
-          <a:solidFill>
-            <a:schemeClr val="phClr"/>
-          </a:solidFill>
-          <a:prstDash val="solid"/>
-        </a:ln>
-      </a:lnStyleLst>
-      <a:effectStyleLst>
-        <a:effectStyle>
-          <a:effectLst>
-            <a:outerShdw blurRad="40000" dist="20000" dir="5400000" rotWithShape="0">
-              <a:srgbClr val="000000">
-                <a:alpha val="38000"/>
-              </a:srgbClr>
-            </a:outerShdw>
-          </a:effectLst>
-        </a:effectStyle>
-        <a:effectStyle>
-          <a:effectLst>
-            <a:outerShdw blurRad="40000" dist="23000" dir="5400000" rotWithShape="0">
-              <a:srgbClr val="000000">
-                <a:alpha val="35000"/>
-              </a:srgbClr>
-            </a:outerShdw>
-          </a:effectLst>
-        </a:effectStyle>
-        <a:effectStyle>
-          <a:effectLst>
-            <a:outerShdw blurRad="40000" dist="23000" dir="5400000" rotWithShape="0">
-              <a:srgbClr val="000000">
-                <a:alpha val="35000"/>
-              </a:srgbClr>
-            </a:outerShdw>
-          </a:effectLst>
-          <a:scene3d>
-            <a:camera prst="orthographicFront">
-              <a:rot lat="0" lon="0" rev="0"/>
-            </a:camera>
-            <a:lightRig rig="threePt" dir="t">
-              <a:rot lat="0" lon="0" rev="1200000"/>
-            </a:lightRig>
-          </a:scene3d>
-          <a:sp3d>
-            <a:bevelT w="63500" h="25400"/>
-          </a:sp3d>
-        </a:effectStyle>
-      </a:effectStyleLst>
-      <a:bgFillStyleLst>
-        <a:solidFill>
-          <a:schemeClr val="phClr"/>
-        </a:solidFill>
-        <a:gradFill rotWithShape="1">
-          <a:gsLst>
-            <a:gs pos="0">
-              <a:schemeClr val="phClr">
-                <a:tint val="40000"/>
-                <a:satMod val="350000"/>
-              </a:schemeClr>
-            </a:gs>
-            <a:gs pos="40000">
-              <a:schemeClr val="phClr">
-                <a:tint val="45000"/>
-                <a:shade val="99000"/>
-                <a:satMod val="350000"/>
-              </a:schemeClr>
-            </a:gs>
-            <a:gs pos="100000">
-              <a:schemeClr val="phClr">
-                <a:shade val="20000"/>
-                <a:satMod val="255000"/>
-              </a:schemeClr>
-            </a:gs>
-          </a:gsLst>
-          <a:path path="circle">
-            <a:fillToRect l="50000" t="-80000" r="50000" b="180000"/>
-          </a:path>
-        </a:gradFill>
-        <a:gradFill rotWithShape="1">
-          <a:gsLst>
-            <a:gs pos="0">
-              <a:schemeClr val="phClr">
-                <a:tint val="80000"/>
-                <a:satMod val="300000"/>
-              </a:schemeClr>
-            </a:gs>
-            <a:gs pos="100000">
-              <a:schemeClr val="phClr">
-                <a:shade val="30000"/>
-                <a:satMod val="200000"/>
-              </a:schemeClr>
-            </a:gs>
-          </a:gsLst>
-          <a:path path="circle">
-            <a:fillToRect l="50000" t="50000" r="50000" b="50000"/>
-          </a:path>
-        </a:gradFill>
-      </a:bgFillStyleLst>
-    </a:fmtScheme>
-  </a:themeElements>
-</a:theme>
 </file>
--- a/Resources/KS4/Vocational/Year 10/YEAR 10 Business studies/Component three/B3-and-B4-PowerPoint.pptx
+++ b/Resources/KS4/Vocational/Year 10/YEAR 10 Business studies/Component three/B3-and-B4-PowerPoint.pptx
@@ -19085,6 +19085,285 @@
 </file>
 
 <file path=ppt/theme/theme1.xml><?xml version="1.0" encoding="utf-8"?>
+<a:theme xmlns:a="http://schemas.openxmlformats.org/drawingml/2006/main" xmlns:r="http://schemas.openxmlformats.org/officeDocument/2006/relationships" name="Integral">
+  <a:themeElements>
+    <a:clrScheme name="Red Violet">
+      <a:dk1>
+        <a:srgbClr val="000000"/>
+      </a:dk1>
+      <a:lt1>
+        <a:srgbClr val="FFFFFF"/>
+      </a:lt1>
+      <a:dk2>
+        <a:srgbClr val="454551"/>
+      </a:dk2>
+      <a:lt2>
+        <a:srgbClr val="D8D9DC"/>
+      </a:lt2>
+      <a:accent1>
+        <a:srgbClr val="E32D91"/>
+      </a:accent1>
+      <a:accent2>
+        <a:srgbClr val="C830CC"/>
+      </a:accent2>
+      <a:accent3>
+        <a:srgbClr val="4EA6DC"/>
+      </a:accent3>
+      <a:accent4>
+        <a:srgbClr val="4775E7"/>
+      </a:accent4>
+      <a:accent5>
+        <a:srgbClr val="8971E1"/>
+      </a:accent5>
+      <a:accent6>
+        <a:srgbClr val="D54773"/>
+      </a:accent6>
+      <a:hlink>
+        <a:srgbClr val="6B9F25"/>
+      </a:hlink>
+      <a:folHlink>
+        <a:srgbClr val="8C8C8C"/>
+      </a:folHlink>
+    </a:clrScheme>
+    <a:fontScheme name="Office">
+      <a:majorFont>
+        <a:latin typeface="Arial"/>
+        <a:ea typeface=""/>
+        <a:cs typeface=""/>
+        <a:font script="Jpan" typeface="ＭＳ Ｐゴシック"/>
+        <a:font script="Hang" typeface="맑은 고딕"/>
+        <a:font script="Hans" typeface="宋体"/>
+        <a:font script="Hant" typeface="新細明體"/>
+        <a:font script="Arab" typeface="Times New Roman"/>
+        <a:font script="Hebr" typeface="Times New Roman"/>
+        <a:font script="Thai" typeface="Angsana New"/>
+        <a:font script="Ethi" typeface="Nyala"/>
+        <a:font script="Beng" typeface="Vrinda"/>
+        <a:font script="Gujr" typeface="Shruti"/>
+        <a:font script="Khmr" typeface="MoolBoran"/>
+        <a:font script="Knda" typeface="Tunga"/>
+        <a:font script="Guru" typeface="Raavi"/>
+        <a:font script="Cans" typeface="Euphemia"/>
+        <a:font script="Cher" typeface="Plantagenet Cherokee"/>
+        <a:font script="Yiii" typeface="Microsoft Yi Baiti"/>
+        <a:font script="Tibt" typeface="Microsoft Himalaya"/>
+        <a:font script="Thaa" typeface="MV Boli"/>
+        <a:font script="Deva" typeface="Mangal"/>
+        <a:font script="Telu" typeface="Gautami"/>
+        <a:font script="Taml" typeface="Latha"/>
+        <a:font script="Syrc" typeface="Estrangelo Edessa"/>
+        <a:font script="Orya" typeface="Kalinga"/>
+        <a:font script="Mlym" typeface="Kartika"/>
+        <a:font script="Laoo" typeface="DokChampa"/>
+        <a:font script="Sinh" typeface="Iskoola Pota"/>
+        <a:font script="Mong" typeface="Mongolian Baiti"/>
+        <a:font script="Viet" typeface="Times New Roman"/>
+        <a:font script="Uigh" typeface="Microsoft Uighur"/>
+        <a:font script="Geor" typeface="Sylfaen"/>
+      </a:majorFont>
+      <a:minorFont>
+        <a:latin typeface="Arial"/>
+        <a:ea typeface=""/>
+        <a:cs typeface=""/>
+        <a:font script="Jpan" typeface="ＭＳ Ｐゴシック"/>
+        <a:font script="Hang" typeface="맑은 고딕"/>
+        <a:font script="Hans" typeface="宋体"/>
+        <a:font script="Hant" typeface="新細明體"/>
+        <a:font script="Arab" typeface="Arial"/>
+        <a:font script="Hebr" typeface="Arial"/>
+        <a:font script="Thai" typeface="Cordia New"/>
+        <a:font script="Ethi" typeface="Nyala"/>
+        <a:font script="Beng" typeface="Vrinda"/>
+        <a:font script="Gujr" typeface="Shruti"/>
+        <a:font script="Khmr" typeface="DaunPenh"/>
+        <a:font script="Knda" typeface="Tunga"/>
+        <a:font script="Guru" typeface="Raavi"/>
+        <a:font script="Cans" typeface="Euphemia"/>
+        <a:font script="Cher" typeface="Plantagenet Cherokee"/>
+        <a:font script="Yiii" typeface="Microsoft Yi Baiti"/>
+        <a:font script="Tibt" typeface="Microsoft Himalaya"/>
+        <a:font script="Thaa" typeface="MV Boli"/>
+        <a:font script="Deva" typeface="Mangal"/>
+        <a:font script="Telu" typeface="Gautami"/>
+        <a:font script="Taml" typeface="Latha"/>
+        <a:font script="Syrc" typeface="Estrangelo Edessa"/>
+        <a:font script="Orya" typeface="Kalinga"/>
+        <a:font script="Mlym" typeface="Kartika"/>
+        <a:font script="Laoo" typeface="DokChampa"/>
+        <a:font script="Sinh" typeface="Iskoola Pota"/>
+        <a:font script="Mong" typeface="Mongolian Baiti"/>
+        <a:font script="Viet" typeface="Arial"/>
+        <a:font script="Uigh" typeface="Microsoft Uighur"/>
+        <a:font script="Geor" typeface="Sylfaen"/>
+      </a:minorFont>
+    </a:fontScheme>
+    <a:fmtScheme name="Office">
+      <a:fillStyleLst>
+        <a:solidFill>
+          <a:schemeClr val="phClr"/>
+        </a:solidFill>
+        <a:gradFill rotWithShape="1">
+          <a:gsLst>
+            <a:gs pos="0">
+              <a:schemeClr val="phClr">
+                <a:tint val="50000"/>
+                <a:satMod val="300000"/>
+              </a:schemeClr>
+            </a:gs>
+            <a:gs pos="35000">
+              <a:schemeClr val="phClr">
+                <a:tint val="37000"/>
+                <a:satMod val="300000"/>
+              </a:schemeClr>
+            </a:gs>
+            <a:gs pos="100000">
+              <a:schemeClr val="phClr">
+                <a:tint val="15000"/>
+                <a:satMod val="350000"/>
+              </a:schemeClr>
+            </a:gs>
+          </a:gsLst>
+          <a:lin ang="16200000" scaled="1"/>
+        </a:gradFill>
+        <a:gradFill rotWithShape="1">
+          <a:gsLst>
+            <a:gs pos="0">
+              <a:schemeClr val="phClr">
+                <a:tint val="100000"/>
+                <a:shade val="100000"/>
+                <a:satMod val="130000"/>
+              </a:schemeClr>
+            </a:gs>
+            <a:gs pos="100000">
+              <a:schemeClr val="phClr">
+                <a:tint val="50000"/>
+                <a:shade val="100000"/>
+                <a:satMod val="350000"/>
+              </a:schemeClr>
+            </a:gs>
+          </a:gsLst>
+          <a:lin ang="16200000" scaled="0"/>
+        </a:gradFill>
+      </a:fillStyleLst>
+      <a:lnStyleLst>
+        <a:ln w="9525" cap="flat" cmpd="sng" algn="ctr">
+          <a:solidFill>
+            <a:schemeClr val="phClr">
+              <a:shade val="95000"/>
+              <a:satMod val="105000"/>
+            </a:schemeClr>
+          </a:solidFill>
+          <a:prstDash val="solid"/>
+        </a:ln>
+        <a:ln w="25400" cap="flat" cmpd="sng" algn="ctr">
+          <a:solidFill>
+            <a:schemeClr val="phClr"/>
+          </a:solidFill>
+          <a:prstDash val="solid"/>
+        </a:ln>
+        <a:ln w="38100" cap="flat" cmpd="sng" algn="ctr">
+          <a:solidFill>
+            <a:schemeClr val="phClr"/>
+          </a:solidFill>
+          <a:prstDash val="solid"/>
+        </a:ln>
+      </a:lnStyleLst>
+      <a:effectStyleLst>
+        <a:effectStyle>
+          <a:effectLst>
+            <a:outerShdw blurRad="40000" dist="20000" dir="5400000" rotWithShape="0">
+              <a:srgbClr val="000000">
+                <a:alpha val="38000"/>
+              </a:srgbClr>
+            </a:outerShdw>
+          </a:effectLst>
+        </a:effectStyle>
+        <a:effectStyle>
+          <a:effectLst>
+            <a:outerShdw blurRad="40000" dist="23000" dir="5400000" rotWithShape="0">
+              <a:srgbClr val="000000">
+                <a:alpha val="35000"/>
+              </a:srgbClr>
+            </a:outerShdw>
+          </a:effectLst>
+        </a:effectStyle>
+        <a:effectStyle>
+          <a:effectLst>
+            <a:outerShdw blurRad="40000" dist="23000" dir="5400000" rotWithShape="0">
+              <a:srgbClr val="000000">
+                <a:alpha val="35000"/>
+              </a:srgbClr>
+            </a:outerShdw>
+          </a:effectLst>
+          <a:scene3d>
+            <a:camera prst="orthographicFront">
+              <a:rot lat="0" lon="0" rev="0"/>
+            </a:camera>
+            <a:lightRig rig="threePt" dir="t">
+              <a:rot lat="0" lon="0" rev="1200000"/>
+            </a:lightRig>
+          </a:scene3d>
+          <a:sp3d>
+            <a:bevelT w="63500" h="25400"/>
+          </a:sp3d>
+        </a:effectStyle>
+      </a:effectStyleLst>
+      <a:bgFillStyleLst>
+        <a:solidFill>
+          <a:schemeClr val="phClr"/>
+        </a:solidFill>
+        <a:gradFill rotWithShape="1">
+          <a:gsLst>
+            <a:gs pos="0">
+              <a:schemeClr val="phClr">
+                <a:tint val="40000"/>
+                <a:satMod val="350000"/>
+              </a:schemeClr>
+            </a:gs>
+            <a:gs pos="40000">
+              <a:schemeClr val="phClr">
+                <a:tint val="45000"/>
+                <a:shade val="99000"/>
+                <a:satMod val="350000"/>
+              </a:schemeClr>
+            </a:gs>
+            <a:gs pos="100000">
+              <a:schemeClr val="phClr">
+                <a:shade val="20000"/>
+                <a:satMod val="255000"/>
+              </a:schemeClr>
+            </a:gs>
+          </a:gsLst>
+          <a:path path="circle">
+            <a:fillToRect l="50000" t="-80000" r="50000" b="180000"/>
+          </a:path>
+        </a:gradFill>
+        <a:gradFill rotWithShape="1">
+          <a:gsLst>
+            <a:gs pos="0">
+              <a:schemeClr val="phClr">
+                <a:tint val="80000"/>
+                <a:satMod val="300000"/>
+              </a:schemeClr>
+            </a:gs>
+            <a:gs pos="100000">
+              <a:schemeClr val="phClr">
+                <a:shade val="30000"/>
+                <a:satMod val="200000"/>
+              </a:schemeClr>
+            </a:gs>
+          </a:gsLst>
+          <a:path path="circle">
+            <a:fillToRect l="50000" t="50000" r="50000" b="50000"/>
+          </a:path>
+        </a:gradFill>
+      </a:bgFillStyleLst>
+    </a:fmtScheme>
+  </a:themeElements>
+</a:theme>
+</file>
+
+<file path=ppt/theme/theme2.xml><?xml version="1.0" encoding="utf-8"?>
 <a:theme xmlns:a="http://schemas.openxmlformats.org/drawingml/2006/main" xmlns:r="http://schemas.openxmlformats.org/officeDocument/2006/relationships" name="Office Theme">
   <a:themeElements>
     <a:clrScheme name="Office">
@@ -19361,283 +19640,4 @@
     </a:fmtScheme>
   </a:themeElements>
 </a:theme>
-</file>
-
-<file path=ppt/theme/theme2.xml><?xml version="1.0" encoding="utf-8"?>
-<a:theme xmlns:a="http://schemas.openxmlformats.org/drawingml/2006/main" xmlns:r="http://schemas.openxmlformats.org/officeDocument/2006/relationships" name="Integral">
-  <a:themeElements>
-    <a:clrScheme name="Red Violet">
-      <a:dk1>
-        <a:srgbClr val="000000"/>
-      </a:dk1>
-      <a:lt1>
-        <a:srgbClr val="FFFFFF"/>
-      </a:lt1>
-      <a:dk2>
-        <a:srgbClr val="454551"/>
-      </a:dk2>
-      <a:lt2>
-        <a:srgbClr val="D8D9DC"/>
-      </a:lt2>
-      <a:accent1>
-        <a:srgbClr val="E32D91"/>
-      </a:accent1>
-      <a:accent2>
-        <a:srgbClr val="C830CC"/>
-      </a:accent2>
-      <a:accent3>
-        <a:srgbClr val="4EA6DC"/>
-      </a:accent3>
-      <a:accent4>
-        <a:srgbClr val="4775E7"/>
-      </a:accent4>
-      <a:accent5>
-        <a:srgbClr val="8971E1"/>
-      </a:accent5>
-      <a:accent6>
-        <a:srgbClr val="D54773"/>
-      </a:accent6>
-      <a:hlink>
-        <a:srgbClr val="6B9F25"/>
-      </a:hlink>
-      <a:folHlink>
-        <a:srgbClr val="8C8C8C"/>
-      </a:folHlink>
-    </a:clrScheme>
-    <a:fontScheme name="Office">
-      <a:majorFont>
-        <a:latin typeface="Arial"/>
-        <a:ea typeface=""/>
-        <a:cs typeface=""/>
-        <a:font script="Jpan" typeface="ＭＳ Ｐゴシック"/>
-        <a:font script="Hang" typeface="맑은 고딕"/>
-        <a:font script="Hans" typeface="宋体"/>
-        <a:font script="Hant" typeface="新細明體"/>
-        <a:font script="Arab" typeface="Times New Roman"/>
-        <a:font script="Hebr" typeface="Times New Roman"/>
-        <a:font script="Thai" typeface="Angsana New"/>
-        <a:font script="Ethi" typeface="Nyala"/>
-        <a:font script="Beng" typeface="Vrinda"/>
-        <a:font script="Gujr" typeface="Shruti"/>
-        <a:font script="Khmr" typeface="MoolBoran"/>
-        <a:font script="Knda" typeface="Tunga"/>
-        <a:font script="Guru" typeface="Raavi"/>
-        <a:font script="Cans" typeface="Euphemia"/>
-        <a:font script="Cher" typeface="Plantagenet Cherokee"/>
-        <a:font script="Yiii" typeface="Microsoft Yi Baiti"/>
-        <a:font script="Tibt" typeface="Microsoft Himalaya"/>
-        <a:font script="Thaa" typeface="MV Boli"/>
-        <a:font script="Deva" typeface="Mangal"/>
-        <a:font script="Telu" typeface="Gautami"/>
-        <a:font script="Taml" typeface="Latha"/>
-        <a:font script="Syrc" typeface="Estrangelo Edessa"/>
-        <a:font script="Orya" typeface="Kalinga"/>
-        <a:font script="Mlym" typeface="Kartika"/>
-        <a:font script="Laoo" typeface="DokChampa"/>
-        <a:font script="Sinh" typeface="Iskoola Pota"/>
-        <a:font script="Mong" typeface="Mongolian Baiti"/>
-        <a:font script="Viet" typeface="Times New Roman"/>
-        <a:font script="Uigh" typeface="Microsoft Uighur"/>
-        <a:font script="Geor" typeface="Sylfaen"/>
-      </a:majorFont>
-      <a:minorFont>
-        <a:latin typeface="Arial"/>
-        <a:ea typeface=""/>
-        <a:cs typeface=""/>
-        <a:font script="Jpan" typeface="ＭＳ Ｐゴシック"/>
-        <a:font script="Hang" typeface="맑은 고딕"/>
-        <a:font script="Hans" typeface="宋体"/>
-        <a:font script="Hant" typeface="新細明體"/>
-        <a:font script="Arab" typeface="Arial"/>
-        <a:font script="Hebr" typeface="Arial"/>
-        <a:font script="Thai" typeface="Cordia New"/>
-        <a:font script="Ethi" typeface="Nyala"/>
-        <a:font script="Beng" typeface="Vrinda"/>
-        <a:font script="Gujr" typeface="Shruti"/>
-        <a:font script="Khmr" typeface="DaunPenh"/>
-        <a:font script="Knda" typeface="Tunga"/>
-        <a:font script="Guru" typeface="Raavi"/>
-        <a:font script="Cans" typeface="Euphemia"/>
-        <a:font script="Cher" typeface="Plantagenet Cherokee"/>
-        <a:font script="Yiii" typeface="Microsoft Yi Baiti"/>
-        <a:font script="Tibt" typeface="Microsoft Himalaya"/>
-        <a:font script="Thaa" typeface="MV Boli"/>
-        <a:font script="Deva" typeface="Mangal"/>
-        <a:font script="Telu" typeface="Gautami"/>
-        <a:font script="Taml" typeface="Latha"/>
-        <a:font script="Syrc" typeface="Estrangelo Edessa"/>
-        <a:font script="Orya" typeface="Kalinga"/>
-        <a:font script="Mlym" typeface="Kartika"/>
-        <a:font script="Laoo" typeface="DokChampa"/>
-        <a:font script="Sinh" typeface="Iskoola Pota"/>
-        <a:font script="Mong" typeface="Mongolian Baiti"/>
-        <a:font script="Viet" typeface="Arial"/>
-        <a:font script="Uigh" typeface="Microsoft Uighur"/>
-        <a:font script="Geor" typeface="Sylfaen"/>
-      </a:minorFont>
-    </a:fontScheme>
-    <a:fmtScheme name="Office">
-      <a:fillStyleLst>
-        <a:solidFill>
-          <a:schemeClr val="phClr"/>
-        </a:solidFill>
-        <a:gradFill rotWithShape="1">
-          <a:gsLst>
-            <a:gs pos="0">
-              <a:schemeClr val="phClr">
-                <a:tint val="50000"/>
-                <a:satMod val="300000"/>
-              </a:schemeClr>
-            </a:gs>
-            <a:gs pos="35000">
-              <a:schemeClr val="phClr">
-                <a:tint val="37000"/>
-                <a:satMod val="300000"/>
-              </a:schemeClr>
-            </a:gs>
-            <a:gs pos="100000">
-              <a:schemeClr val="phClr">
-                <a:tint val="15000"/>
-                <a:satMod val="350000"/>
-              </a:schemeClr>
-            </a:gs>
-          </a:gsLst>
-          <a:lin ang="16200000" scaled="1"/>
-        </a:gradFill>
-        <a:gradFill rotWithShape="1">
-          <a:gsLst>
-            <a:gs pos="0">
-              <a:schemeClr val="phClr">
-                <a:tint val="100000"/>
-                <a:shade val="100000"/>
-                <a:satMod val="130000"/>
-              </a:schemeClr>
-            </a:gs>
-            <a:gs pos="100000">
-              <a:schemeClr val="phClr">
-                <a:tint val="50000"/>
-                <a:shade val="100000"/>
-                <a:satMod val="350000"/>
-              </a:schemeClr>
-            </a:gs>
-          </a:gsLst>
-          <a:lin ang="16200000" scaled="0"/>
-        </a:gradFill>
-      </a:fillStyleLst>
-      <a:lnStyleLst>
-        <a:ln w="9525" cap="flat" cmpd="sng" algn="ctr">
-          <a:solidFill>
-            <a:schemeClr val="phClr">
-              <a:shade val="95000"/>
-              <a:satMod val="105000"/>
-            </a:schemeClr>
-          </a:solidFill>
-          <a:prstDash val="solid"/>
-        </a:ln>
-        <a:ln w="25400" cap="flat" cmpd="sng" algn="ctr">
-          <a:solidFill>
-            <a:schemeClr val="phClr"/>
-          </a:solidFill>
-          <a:prstDash val="solid"/>
-        </a:ln>
-        <a:ln w="38100" cap="flat" cmpd="sng" algn="ctr">
-          <a:solidFill>
-            <a:schemeClr val="phClr"/>
-          </a:solidFill>
-          <a:prstDash val="solid"/>
-        </a:ln>
-      </a:lnStyleLst>
-      <a:effectStyleLst>
-        <a:effectStyle>
-          <a:effectLst>
-            <a:outerShdw blurRad="40000" dist="20000" dir="5400000" rotWithShape="0">
-              <a:srgbClr val="000000">
-                <a:alpha val="38000"/>
-              </a:srgbClr>
-            </a:outerShdw>
-          </a:effectLst>
-        </a:effectStyle>
-        <a:effectStyle>
-          <a:effectLst>
-            <a:outerShdw blurRad="40000" dist="23000" dir="5400000" rotWithShape="0">
-              <a:srgbClr val="000000">
-                <a:alpha val="35000"/>
-              </a:srgbClr>
-            </a:outerShdw>
-          </a:effectLst>
-        </a:effectStyle>
-        <a:effectStyle>
-          <a:effectLst>
-            <a:outerShdw blurRad="40000" dist="23000" dir="5400000" rotWithShape="0">
-              <a:srgbClr val="000000">
-                <a:alpha val="35000"/>
-              </a:srgbClr>
-            </a:outerShdw>
-          </a:effectLst>
-          <a:scene3d>
-            <a:camera prst="orthographicFront">
-              <a:rot lat="0" lon="0" rev="0"/>
-            </a:camera>
-            <a:lightRig rig="threePt" dir="t">
-              <a:rot lat="0" lon="0" rev="1200000"/>
-            </a:lightRig>
-          </a:scene3d>
-          <a:sp3d>
-            <a:bevelT w="63500" h="25400"/>
-          </a:sp3d>
-        </a:effectStyle>
-      </a:effectStyleLst>
-      <a:bgFillStyleLst>
-        <a:solidFill>
-          <a:schemeClr val="phClr"/>
-        </a:solidFill>
-        <a:gradFill rotWithShape="1">
-          <a:gsLst>
-            <a:gs pos="0">
-              <a:schemeClr val="phClr">
-                <a:tint val="40000"/>
-                <a:satMod val="350000"/>
-              </a:schemeClr>
-            </a:gs>
-            <a:gs pos="40000">
-              <a:schemeClr val="phClr">
-                <a:tint val="45000"/>
-                <a:shade val="99000"/>
-                <a:satMod val="350000"/>
-              </a:schemeClr>
-            </a:gs>
-            <a:gs pos="100000">
-              <a:schemeClr val="phClr">
-                <a:shade val="20000"/>
-                <a:satMod val="255000"/>
-              </a:schemeClr>
-            </a:gs>
-          </a:gsLst>
-          <a:path path="circle">
-            <a:fillToRect l="50000" t="-80000" r="50000" b="180000"/>
-          </a:path>
-        </a:gradFill>
-        <a:gradFill rotWithShape="1">
-          <a:gsLst>
-            <a:gs pos="0">
-              <a:schemeClr val="phClr">
-                <a:tint val="80000"/>
-                <a:satMod val="300000"/>
-              </a:schemeClr>
-            </a:gs>
-            <a:gs pos="100000">
-              <a:schemeClr val="phClr">
-                <a:shade val="30000"/>
-                <a:satMod val="200000"/>
-              </a:schemeClr>
-            </a:gs>
-          </a:gsLst>
-          <a:path path="circle">
-            <a:fillToRect l="50000" t="50000" r="50000" b="50000"/>
-          </a:path>
-        </a:gradFill>
-      </a:bgFillStyleLst>
-    </a:fmtScheme>
-  </a:themeElements>
-</a:theme>
 </file>
--- a/Resources/KS4/Vocational/Year 10/YEAR 10 Business studies/Component three/B3-and-B4-PowerPoint.pptx
+++ b/Resources/KS4/Vocational/Year 10/YEAR 10 Business studies/Component three/B3-and-B4-PowerPoint.pptx
@@ -1,6 +1,6 @@
 
 <file path=ppt/presentation.xml><?xml version="1.0" encoding="utf-8"?>
-<p:presentation xmlns:a="http://schemas.openxmlformats.org/drawingml/2006/main" xmlns:r="http://schemas.openxmlformats.org/officeDocument/2006/relationships" xmlns:mc="http://schemas.openxmlformats.org/markup-compatibility/2006" xmlns:mv="urn:schemas-microsoft-com:mac:vml" xmlns:p="http://schemas.openxmlformats.org/presentationml/2006/main" xmlns:c="http://schemas.openxmlformats.org/drawingml/2006/chart" xmlns:dgm="http://schemas.openxmlformats.org/drawingml/2006/diagram" xmlns:o="urn:schemas-microsoft-com:office:office" xmlns:v="urn:schemas-microsoft-com:vml" xmlns:pvml="urn:schemas-microsoft-com:office:powerpoint" xmlns:com="http://schemas.openxmlformats.org/drawingml/2006/compatibility" xmlns:p14="http://schemas.microsoft.com/office/powerpoint/2010/main" xmlns:p15="http://schemas.microsoft.com/office/powerpoint/2012/main" autoCompressPictures="0" strictFirstAndLastChars="0" saveSubsetFonts="1">
+<p:presentation xmlns:a="http://schemas.openxmlformats.org/drawingml/2006/main" xmlns:r="http://schemas.openxmlformats.org/officeDocument/2006/relationships" xmlns:mc="http://schemas.openxmlformats.org/markup-compatibility/2006" xmlns:mv="urn:schemas-microsoft-com:mac:vml" xmlns:p="http://schemas.openxmlformats.org/presentationml/2006/main" xmlns:c="http://schemas.openxmlformats.org/drawingml/2006/chart" xmlns:dgm="http://schemas.openxmlformats.org/drawingml/2006/diagram" xmlns:o="urn:schemas-microsoft-com:office:office" xmlns:v="urn:schemas-microsoft-com:vml" xmlns:pvml="urn:schemas-microsoft-com:office:powerpoint" xmlns:com="http://schemas.openxmlformats.org/drawingml/2006/compatibility" xmlns:p14="http://schemas.microsoft.com/office/powerpoint/2010/main" xmlns:p15="http://schemas.microsoft.com/office/powerpoint/2012/main" xmlns:ahyp="http://schemas.microsoft.com/office/drawing/2018/hyperlinkcolor" autoCompressPictures="0" strictFirstAndLastChars="0" saveSubsetFonts="1">
   <p:sldMasterIdLst>
     <p:sldMasterId id="2147483659" r:id="rId3"/>
   </p:sldMasterIdLst>
@@ -257,7 +257,7 @@
 </file>
 
 <file path=ppt/notesMasters/notesMaster1.xml><?xml version="1.0" encoding="utf-8"?>
-<p:notesMaster xmlns:a="http://schemas.openxmlformats.org/drawingml/2006/main" xmlns:r="http://schemas.openxmlformats.org/officeDocument/2006/relationships" xmlns:mc="http://schemas.openxmlformats.org/markup-compatibility/2006" xmlns:mv="urn:schemas-microsoft-com:mac:vml" xmlns:p="http://schemas.openxmlformats.org/presentationml/2006/main" xmlns:c="http://schemas.openxmlformats.org/drawingml/2006/chart" xmlns:dgm="http://schemas.openxmlformats.org/drawingml/2006/diagram" xmlns:o="urn:schemas-microsoft-com:office:office" xmlns:v="urn:schemas-microsoft-com:vml" xmlns:pvml="urn:schemas-microsoft-com:office:powerpoint" xmlns:com="http://schemas.openxmlformats.org/drawingml/2006/compatibility" xmlns:p14="http://schemas.microsoft.com/office/powerpoint/2010/main" xmlns:p15="http://schemas.microsoft.com/office/powerpoint/2012/main">
+<p:notesMaster xmlns:a="http://schemas.openxmlformats.org/drawingml/2006/main" xmlns:r="http://schemas.openxmlformats.org/officeDocument/2006/relationships" xmlns:mc="http://schemas.openxmlformats.org/markup-compatibility/2006" xmlns:mv="urn:schemas-microsoft-com:mac:vml" xmlns:p="http://schemas.openxmlformats.org/presentationml/2006/main" xmlns:c="http://schemas.openxmlformats.org/drawingml/2006/chart" xmlns:dgm="http://schemas.openxmlformats.org/drawingml/2006/diagram" xmlns:o="urn:schemas-microsoft-com:office:office" xmlns:v="urn:schemas-microsoft-com:vml" xmlns:pvml="urn:schemas-microsoft-com:office:powerpoint" xmlns:com="http://schemas.openxmlformats.org/drawingml/2006/compatibility" xmlns:p14="http://schemas.microsoft.com/office/powerpoint/2010/main" xmlns:p15="http://schemas.microsoft.com/office/powerpoint/2012/main" xmlns:ahyp="http://schemas.microsoft.com/office/drawing/2018/hyperlinkcolor">
   <p:cSld>
     <p:bg>
       <p:bgPr>
@@ -1425,7 +1425,7 @@
 </file>
 
 <file path=ppt/notesSlides/notesSlide1.xml><?xml version="1.0" encoding="utf-8"?>
-<p:notes xmlns:a="http://schemas.openxmlformats.org/drawingml/2006/main" xmlns:r="http://schemas.openxmlformats.org/officeDocument/2006/relationships" xmlns:mc="http://schemas.openxmlformats.org/markup-compatibility/2006" xmlns:mv="urn:schemas-microsoft-com:mac:vml" xmlns:p="http://schemas.openxmlformats.org/presentationml/2006/main" xmlns:c="http://schemas.openxmlformats.org/drawingml/2006/chart" xmlns:dgm="http://schemas.openxmlformats.org/drawingml/2006/diagram" xmlns:o="urn:schemas-microsoft-com:office:office" xmlns:v="urn:schemas-microsoft-com:vml" xmlns:pvml="urn:schemas-microsoft-com:office:powerpoint" xmlns:com="http://schemas.openxmlformats.org/drawingml/2006/compatibility" xmlns:p14="http://schemas.microsoft.com/office/powerpoint/2010/main" xmlns:p15="http://schemas.microsoft.com/office/powerpoint/2012/main" showMasterPhAnim="0" showMasterSp="0">
+<p:notes xmlns:a="http://schemas.openxmlformats.org/drawingml/2006/main" xmlns:r="http://schemas.openxmlformats.org/officeDocument/2006/relationships" xmlns:mc="http://schemas.openxmlformats.org/markup-compatibility/2006" xmlns:mv="urn:schemas-microsoft-com:mac:vml" xmlns:p="http://schemas.openxmlformats.org/presentationml/2006/main" xmlns:c="http://schemas.openxmlformats.org/drawingml/2006/chart" xmlns:dgm="http://schemas.openxmlformats.org/drawingml/2006/diagram" xmlns:o="urn:schemas-microsoft-com:office:office" xmlns:v="urn:schemas-microsoft-com:vml" xmlns:pvml="urn:schemas-microsoft-com:office:powerpoint" xmlns:com="http://schemas.openxmlformats.org/drawingml/2006/compatibility" xmlns:p14="http://schemas.microsoft.com/office/powerpoint/2010/main" xmlns:p15="http://schemas.microsoft.com/office/powerpoint/2012/main" xmlns:ahyp="http://schemas.microsoft.com/office/drawing/2018/hyperlinkcolor" showMasterPhAnim="0" showMasterSp="0">
   <p:cSld>
     <p:spTree>
       <p:nvGrpSpPr>
@@ -1524,7 +1524,7 @@
 </file>
 
 <file path=ppt/notesSlides/notesSlide10.xml><?xml version="1.0" encoding="utf-8"?>
-<p:notes xmlns:a="http://schemas.openxmlformats.org/drawingml/2006/main" xmlns:r="http://schemas.openxmlformats.org/officeDocument/2006/relationships" xmlns:mc="http://schemas.openxmlformats.org/markup-compatibility/2006" xmlns:mv="urn:schemas-microsoft-com:mac:vml" xmlns:p="http://schemas.openxmlformats.org/presentationml/2006/main" xmlns:c="http://schemas.openxmlformats.org/drawingml/2006/chart" xmlns:dgm="http://schemas.openxmlformats.org/drawingml/2006/diagram" xmlns:o="urn:schemas-microsoft-com:office:office" xmlns:v="urn:schemas-microsoft-com:vml" xmlns:pvml="urn:schemas-microsoft-com:office:powerpoint" xmlns:com="http://schemas.openxmlformats.org/drawingml/2006/compatibility" xmlns:p14="http://schemas.microsoft.com/office/powerpoint/2010/main" xmlns:p15="http://schemas.microsoft.com/office/powerpoint/2012/main" showMasterPhAnim="0" showMasterSp="0">
+<p:notes xmlns:a="http://schemas.openxmlformats.org/drawingml/2006/main" xmlns:r="http://schemas.openxmlformats.org/officeDocument/2006/relationships" xmlns:mc="http://schemas.openxmlformats.org/markup-compatibility/2006" xmlns:mv="urn:schemas-microsoft-com:mac:vml" xmlns:p="http://schemas.openxmlformats.org/presentationml/2006/main" xmlns:c="http://schemas.openxmlformats.org/drawingml/2006/chart" xmlns:dgm="http://schemas.openxmlformats.org/drawingml/2006/diagram" xmlns:o="urn:schemas-microsoft-com:office:office" xmlns:v="urn:schemas-microsoft-com:vml" xmlns:pvml="urn:schemas-microsoft-com:office:powerpoint" xmlns:com="http://schemas.openxmlformats.org/drawingml/2006/compatibility" xmlns:p14="http://schemas.microsoft.com/office/powerpoint/2010/main" xmlns:p15="http://schemas.microsoft.com/office/powerpoint/2012/main" xmlns:ahyp="http://schemas.microsoft.com/office/drawing/2018/hyperlinkcolor" showMasterPhAnim="0" showMasterSp="0">
   <p:cSld>
     <p:spTree>
       <p:nvGrpSpPr>
@@ -1786,7 +1786,7 @@
 </file>
 
 <file path=ppt/notesSlides/notesSlide11.xml><?xml version="1.0" encoding="utf-8"?>
-<p:notes xmlns:a="http://schemas.openxmlformats.org/drawingml/2006/main" xmlns:r="http://schemas.openxmlformats.org/officeDocument/2006/relationships" xmlns:mc="http://schemas.openxmlformats.org/markup-compatibility/2006" xmlns:mv="urn:schemas-microsoft-com:mac:vml" xmlns:p="http://schemas.openxmlformats.org/presentationml/2006/main" xmlns:c="http://schemas.openxmlformats.org/drawingml/2006/chart" xmlns:dgm="http://schemas.openxmlformats.org/drawingml/2006/diagram" xmlns:o="urn:schemas-microsoft-com:office:office" xmlns:v="urn:schemas-microsoft-com:vml" xmlns:pvml="urn:schemas-microsoft-com:office:powerpoint" xmlns:com="http://schemas.openxmlformats.org/drawingml/2006/compatibility" xmlns:p14="http://schemas.microsoft.com/office/powerpoint/2010/main" xmlns:p15="http://schemas.microsoft.com/office/powerpoint/2012/main" showMasterPhAnim="0" showMasterSp="0">
+<p:notes xmlns:a="http://schemas.openxmlformats.org/drawingml/2006/main" xmlns:r="http://schemas.openxmlformats.org/officeDocument/2006/relationships" xmlns:mc="http://schemas.openxmlformats.org/markup-compatibility/2006" xmlns:mv="urn:schemas-microsoft-com:mac:vml" xmlns:p="http://schemas.openxmlformats.org/presentationml/2006/main" xmlns:c="http://schemas.openxmlformats.org/drawingml/2006/chart" xmlns:dgm="http://schemas.openxmlformats.org/drawingml/2006/diagram" xmlns:o="urn:schemas-microsoft-com:office:office" xmlns:v="urn:schemas-microsoft-com:vml" xmlns:pvml="urn:schemas-microsoft-com:office:powerpoint" xmlns:com="http://schemas.openxmlformats.org/drawingml/2006/compatibility" xmlns:p14="http://schemas.microsoft.com/office/powerpoint/2010/main" xmlns:p15="http://schemas.microsoft.com/office/powerpoint/2012/main" xmlns:ahyp="http://schemas.microsoft.com/office/drawing/2018/hyperlinkcolor" showMasterPhAnim="0" showMasterSp="0">
   <p:cSld>
     <p:spTree>
       <p:nvGrpSpPr>
@@ -1885,7 +1885,7 @@
 </file>
 
 <file path=ppt/notesSlides/notesSlide12.xml><?xml version="1.0" encoding="utf-8"?>
-<p:notes xmlns:a="http://schemas.openxmlformats.org/drawingml/2006/main" xmlns:r="http://schemas.openxmlformats.org/officeDocument/2006/relationships" xmlns:mc="http://schemas.openxmlformats.org/markup-compatibility/2006" xmlns:mv="urn:schemas-microsoft-com:mac:vml" xmlns:p="http://schemas.openxmlformats.org/presentationml/2006/main" xmlns:c="http://schemas.openxmlformats.org/drawingml/2006/chart" xmlns:dgm="http://schemas.openxmlformats.org/drawingml/2006/diagram" xmlns:o="urn:schemas-microsoft-com:office:office" xmlns:v="urn:schemas-microsoft-com:vml" xmlns:pvml="urn:schemas-microsoft-com:office:powerpoint" xmlns:com="http://schemas.openxmlformats.org/drawingml/2006/compatibility" xmlns:p14="http://schemas.microsoft.com/office/powerpoint/2010/main" xmlns:p15="http://schemas.microsoft.com/office/powerpoint/2012/main" showMasterPhAnim="0" showMasterSp="0">
+<p:notes xmlns:a="http://schemas.openxmlformats.org/drawingml/2006/main" xmlns:r="http://schemas.openxmlformats.org/officeDocument/2006/relationships" xmlns:mc="http://schemas.openxmlformats.org/markup-compatibility/2006" xmlns:mv="urn:schemas-microsoft-com:mac:vml" xmlns:p="http://schemas.openxmlformats.org/presentationml/2006/main" xmlns:c="http://schemas.openxmlformats.org/drawingml/2006/chart" xmlns:dgm="http://schemas.openxmlformats.org/drawingml/2006/diagram" xmlns:o="urn:schemas-microsoft-com:office:office" xmlns:v="urn:schemas-microsoft-com:vml" xmlns:pvml="urn:schemas-microsoft-com:office:powerpoint" xmlns:com="http://schemas.openxmlformats.org/drawingml/2006/compatibility" xmlns:p14="http://schemas.microsoft.com/office/powerpoint/2010/main" xmlns:p15="http://schemas.microsoft.com/office/powerpoint/2012/main" xmlns:ahyp="http://schemas.microsoft.com/office/drawing/2018/hyperlinkcolor" showMasterPhAnim="0" showMasterSp="0">
   <p:cSld>
     <p:spTree>
       <p:nvGrpSpPr>
@@ -1984,7 +1984,7 @@
 </file>
 
 <file path=ppt/notesSlides/notesSlide13.xml><?xml version="1.0" encoding="utf-8"?>
-<p:notes xmlns:a="http://schemas.openxmlformats.org/drawingml/2006/main" xmlns:r="http://schemas.openxmlformats.org/officeDocument/2006/relationships" xmlns:mc="http://schemas.openxmlformats.org/markup-compatibility/2006" xmlns:mv="urn:schemas-microsoft-com:mac:vml" xmlns:p="http://schemas.openxmlformats.org/presentationml/2006/main" xmlns:c="http://schemas.openxmlformats.org/drawingml/2006/chart" xmlns:dgm="http://schemas.openxmlformats.org/drawingml/2006/diagram" xmlns:o="urn:schemas-microsoft-com:office:office" xmlns:v="urn:schemas-microsoft-com:vml" xmlns:pvml="urn:schemas-microsoft-com:office:powerpoint" xmlns:com="http://schemas.openxmlformats.org/drawingml/2006/compatibility" xmlns:p14="http://schemas.microsoft.com/office/powerpoint/2010/main" xmlns:p15="http://schemas.microsoft.com/office/powerpoint/2012/main" showMasterPhAnim="0" showMasterSp="0">
+<p:notes xmlns:a="http://schemas.openxmlformats.org/drawingml/2006/main" xmlns:r="http://schemas.openxmlformats.org/officeDocument/2006/relationships" xmlns:mc="http://schemas.openxmlformats.org/markup-compatibility/2006" xmlns:mv="urn:schemas-microsoft-com:mac:vml" xmlns:p="http://schemas.openxmlformats.org/presentationml/2006/main" xmlns:c="http://schemas.openxmlformats.org/drawingml/2006/chart" xmlns:dgm="http://schemas.openxmlformats.org/drawingml/2006/diagram" xmlns:o="urn:schemas-microsoft-com:office:office" xmlns:v="urn:schemas-microsoft-com:vml" xmlns:pvml="urn:schemas-microsoft-com:office:powerpoint" xmlns:com="http://schemas.openxmlformats.org/drawingml/2006/compatibility" xmlns:p14="http://schemas.microsoft.com/office/powerpoint/2010/main" xmlns:p15="http://schemas.microsoft.com/office/powerpoint/2012/main" xmlns:ahyp="http://schemas.microsoft.com/office/drawing/2018/hyperlinkcolor" showMasterPhAnim="0" showMasterSp="0">
   <p:cSld>
     <p:spTree>
       <p:nvGrpSpPr>
@@ -2083,7 +2083,7 @@
 </file>
 
 <file path=ppt/notesSlides/notesSlide2.xml><?xml version="1.0" encoding="utf-8"?>
-<p:notes xmlns:a="http://schemas.openxmlformats.org/drawingml/2006/main" xmlns:r="http://schemas.openxmlformats.org/officeDocument/2006/relationships" xmlns:mc="http://schemas.openxmlformats.org/markup-compatibility/2006" xmlns:mv="urn:schemas-microsoft-com:mac:vml" xmlns:p="http://schemas.openxmlformats.org/presentationml/2006/main" xmlns:c="http://schemas.openxmlformats.org/drawingml/2006/chart" xmlns:dgm="http://schemas.openxmlformats.org/drawingml/2006/diagram" xmlns:o="urn:schemas-microsoft-com:office:office" xmlns:v="urn:schemas-microsoft-com:vml" xmlns:pvml="urn:schemas-microsoft-com:office:powerpoint" xmlns:com="http://schemas.openxmlformats.org/drawingml/2006/compatibility" xmlns:p14="http://schemas.microsoft.com/office/powerpoint/2010/main" xmlns:p15="http://schemas.microsoft.com/office/powerpoint/2012/main" showMasterPhAnim="0" showMasterSp="0">
+<p:notes xmlns:a="http://schemas.openxmlformats.org/drawingml/2006/main" xmlns:r="http://schemas.openxmlformats.org/officeDocument/2006/relationships" xmlns:mc="http://schemas.openxmlformats.org/markup-compatibility/2006" xmlns:mv="urn:schemas-microsoft-com:mac:vml" xmlns:p="http://schemas.openxmlformats.org/presentationml/2006/main" xmlns:c="http://schemas.openxmlformats.org/drawingml/2006/chart" xmlns:dgm="http://schemas.openxmlformats.org/drawingml/2006/diagram" xmlns:o="urn:schemas-microsoft-com:office:office" xmlns:v="urn:schemas-microsoft-com:vml" xmlns:pvml="urn:schemas-microsoft-com:office:powerpoint" xmlns:com="http://schemas.openxmlformats.org/drawingml/2006/compatibility" xmlns:p14="http://schemas.microsoft.com/office/powerpoint/2010/main" xmlns:p15="http://schemas.microsoft.com/office/powerpoint/2012/main" xmlns:ahyp="http://schemas.microsoft.com/office/drawing/2018/hyperlinkcolor" showMasterPhAnim="0" showMasterSp="0">
   <p:cSld>
     <p:spTree>
       <p:nvGrpSpPr>
@@ -2182,7 +2182,7 @@
 </file>
 
 <file path=ppt/notesSlides/notesSlide3.xml><?xml version="1.0" encoding="utf-8"?>
-<p:notes xmlns:a="http://schemas.openxmlformats.org/drawingml/2006/main" xmlns:r="http://schemas.openxmlformats.org/officeDocument/2006/relationships" xmlns:mc="http://schemas.openxmlformats.org/markup-compatibility/2006" xmlns:mv="urn:schemas-microsoft-com:mac:vml" xmlns:p="http://schemas.openxmlformats.org/presentationml/2006/main" xmlns:c="http://schemas.openxmlformats.org/drawingml/2006/chart" xmlns:dgm="http://schemas.openxmlformats.org/drawingml/2006/diagram" xmlns:o="urn:schemas-microsoft-com:office:office" xmlns:v="urn:schemas-microsoft-com:vml" xmlns:pvml="urn:schemas-microsoft-com:office:powerpoint" xmlns:com="http://schemas.openxmlformats.org/drawingml/2006/compatibility" xmlns:p14="http://schemas.microsoft.com/office/powerpoint/2010/main" xmlns:p15="http://schemas.microsoft.com/office/powerpoint/2012/main" showMasterPhAnim="0" showMasterSp="0">
+<p:notes xmlns:a="http://schemas.openxmlformats.org/drawingml/2006/main" xmlns:r="http://schemas.openxmlformats.org/officeDocument/2006/relationships" xmlns:mc="http://schemas.openxmlformats.org/markup-compatibility/2006" xmlns:mv="urn:schemas-microsoft-com:mac:vml" xmlns:p="http://schemas.openxmlformats.org/presentationml/2006/main" xmlns:c="http://schemas.openxmlformats.org/drawingml/2006/chart" xmlns:dgm="http://schemas.openxmlformats.org/drawingml/2006/diagram" xmlns:o="urn:schemas-microsoft-com:office:office" xmlns:v="urn:schemas-microsoft-com:vml" xmlns:pvml="urn:schemas-microsoft-com:office:powerpoint" xmlns:com="http://schemas.openxmlformats.org/drawingml/2006/compatibility" xmlns:p14="http://schemas.microsoft.com/office/powerpoint/2010/main" xmlns:p15="http://schemas.microsoft.com/office/powerpoint/2012/main" xmlns:ahyp="http://schemas.microsoft.com/office/drawing/2018/hyperlinkcolor" showMasterPhAnim="0" showMasterSp="0">
   <p:cSld>
     <p:spTree>
       <p:nvGrpSpPr>
@@ -2281,7 +2281,7 @@
 </file>
 
 <file path=ppt/notesSlides/notesSlide4.xml><?xml version="1.0" encoding="utf-8"?>
-<p:notes xmlns:a="http://schemas.openxmlformats.org/drawingml/2006/main" xmlns:r="http://schemas.openxmlformats.org/officeDocument/2006/relationships" xmlns:mc="http://schemas.openxmlformats.org/markup-compatibility/2006" xmlns:mv="urn:schemas-microsoft-com:mac:vml" xmlns:p="http://schemas.openxmlformats.org/presentationml/2006/main" xmlns:c="http://schemas.openxmlformats.org/drawingml/2006/chart" xmlns:dgm="http://schemas.openxmlformats.org/drawingml/2006/diagram" xmlns:o="urn:schemas-microsoft-com:office:office" xmlns:v="urn:schemas-microsoft-com:vml" xmlns:pvml="urn:schemas-microsoft-com:office:powerpoint" xmlns:com="http://schemas.openxmlformats.org/drawingml/2006/compatibility" xmlns:p14="http://schemas.microsoft.com/office/powerpoint/2010/main" xmlns:p15="http://schemas.microsoft.com/office/powerpoint/2012/main" showMasterPhAnim="0" showMasterSp="0">
+<p:notes xmlns:a="http://schemas.openxmlformats.org/drawingml/2006/main" xmlns:r="http://schemas.openxmlformats.org/officeDocument/2006/relationships" xmlns:mc="http://schemas.openxmlformats.org/markup-compatibility/2006" xmlns:mv="urn:schemas-microsoft-com:mac:vml" xmlns:p="http://schemas.openxmlformats.org/presentationml/2006/main" xmlns:c="http://schemas.openxmlformats.org/drawingml/2006/chart" xmlns:dgm="http://schemas.openxmlformats.org/drawingml/2006/diagram" xmlns:o="urn:schemas-microsoft-com:office:office" xmlns:v="urn:schemas-microsoft-com:vml" xmlns:pvml="urn:schemas-microsoft-com:office:powerpoint" xmlns:com="http://schemas.openxmlformats.org/drawingml/2006/compatibility" xmlns:p14="http://schemas.microsoft.com/office/powerpoint/2010/main" xmlns:p15="http://schemas.microsoft.com/office/powerpoint/2012/main" xmlns:ahyp="http://schemas.microsoft.com/office/drawing/2018/hyperlinkcolor" showMasterPhAnim="0" showMasterSp="0">
   <p:cSld>
     <p:spTree>
       <p:nvGrpSpPr>
@@ -2380,7 +2380,7 @@
 </file>
 
 <file path=ppt/notesSlides/notesSlide5.xml><?xml version="1.0" encoding="utf-8"?>
-<p:notes xmlns:a="http://schemas.openxmlformats.org/drawingml/2006/main" xmlns:r="http://schemas.openxmlformats.org/officeDocument/2006/relationships" xmlns:mc="http://schemas.openxmlformats.org/markup-compatibility/2006" xmlns:mv="urn:schemas-microsoft-com:mac:vml" xmlns:p="http://schemas.openxmlformats.org/presentationml/2006/main" xmlns:c="http://schemas.openxmlformats.org/drawingml/2006/chart" xmlns:dgm="http://schemas.openxmlformats.org/drawingml/2006/diagram" xmlns:o="urn:schemas-microsoft-com:office:office" xmlns:v="urn:schemas-microsoft-com:vml" xmlns:pvml="urn:schemas-microsoft-com:office:powerpoint" xmlns:com="http://schemas.openxmlformats.org/drawingml/2006/compatibility" xmlns:p14="http://schemas.microsoft.com/office/powerpoint/2010/main" xmlns:p15="http://schemas.microsoft.com/office/powerpoint/2012/main" showMasterPhAnim="0" showMasterSp="0">
+<p:notes xmlns:a="http://schemas.openxmlformats.org/drawingml/2006/main" xmlns:r="http://schemas.openxmlformats.org/officeDocument/2006/relationships" xmlns:mc="http://schemas.openxmlformats.org/markup-compatibility/2006" xmlns:mv="urn:schemas-microsoft-com:mac:vml" xmlns:p="http://schemas.openxmlformats.org/presentationml/2006/main" xmlns:c="http://schemas.openxmlformats.org/drawingml/2006/chart" xmlns:dgm="http://schemas.openxmlformats.org/drawingml/2006/diagram" xmlns:o="urn:schemas-microsoft-com:office:office" xmlns:v="urn:schemas-microsoft-com:vml" xmlns:pvml="urn:schemas-microsoft-com:office:powerpoint" xmlns:com="http://schemas.openxmlformats.org/drawingml/2006/compatibility" xmlns:p14="http://schemas.microsoft.com/office/powerpoint/2010/main" xmlns:p15="http://schemas.microsoft.com/office/powerpoint/2012/main" xmlns:ahyp="http://schemas.microsoft.com/office/drawing/2018/hyperlinkcolor" showMasterPhAnim="0" showMasterSp="0">
   <p:cSld>
     <p:spTree>
       <p:nvGrpSpPr>
@@ -2479,7 +2479,7 @@
 </file>
 
 <file path=ppt/notesSlides/notesSlide6.xml><?xml version="1.0" encoding="utf-8"?>
-<p:notes xmlns:a="http://schemas.openxmlformats.org/drawingml/2006/main" xmlns:r="http://schemas.openxmlformats.org/officeDocument/2006/relationships" xmlns:mc="http://schemas.openxmlformats.org/markup-compatibility/2006" xmlns:mv="urn:schemas-microsoft-com:mac:vml" xmlns:p="http://schemas.openxmlformats.org/presentationml/2006/main" xmlns:c="http://schemas.openxmlformats.org/drawingml/2006/chart" xmlns:dgm="http://schemas.openxmlformats.org/drawingml/2006/diagram" xmlns:o="urn:schemas-microsoft-com:office:office" xmlns:v="urn:schemas-microsoft-com:vml" xmlns:pvml="urn:schemas-microsoft-com:office:powerpoint" xmlns:com="http://schemas.openxmlformats.org/drawingml/2006/compatibility" xmlns:p14="http://schemas.microsoft.com/office/powerpoint/2010/main" xmlns:p15="http://schemas.microsoft.com/office/powerpoint/2012/main" showMasterPhAnim="0" showMasterSp="0">
+<p:notes xmlns:a="http://schemas.openxmlformats.org/drawingml/2006/main" xmlns:r="http://schemas.openxmlformats.org/officeDocument/2006/relationships" xmlns:mc="http://schemas.openxmlformats.org/markup-compatibility/2006" xmlns:mv="urn:schemas-microsoft-com:mac:vml" xmlns:p="http://schemas.openxmlformats.org/presentationml/2006/main" xmlns:c="http://schemas.openxmlformats.org/drawingml/2006/chart" xmlns:dgm="http://schemas.openxmlformats.org/drawingml/2006/diagram" xmlns:o="urn:schemas-microsoft-com:office:office" xmlns:v="urn:schemas-microsoft-com:vml" xmlns:pvml="urn:schemas-microsoft-com:office:powerpoint" xmlns:com="http://schemas.openxmlformats.org/drawingml/2006/compatibility" xmlns:p14="http://schemas.microsoft.com/office/powerpoint/2010/main" xmlns:p15="http://schemas.microsoft.com/office/powerpoint/2012/main" xmlns:ahyp="http://schemas.microsoft.com/office/drawing/2018/hyperlinkcolor" showMasterPhAnim="0" showMasterSp="0">
   <p:cSld>
     <p:spTree>
       <p:nvGrpSpPr>
@@ -2578,7 +2578,7 @@
 </file>
 
 <file path=ppt/notesSlides/notesSlide7.xml><?xml version="1.0" encoding="utf-8"?>
-<p:notes xmlns:a="http://schemas.openxmlformats.org/drawingml/2006/main" xmlns:r="http://schemas.openxmlformats.org/officeDocument/2006/relationships" xmlns:mc="http://schemas.openxmlformats.org/markup-compatibility/2006" xmlns:mv="urn:schemas-microsoft-com:mac:vml" xmlns:p="http://schemas.openxmlformats.org/presentationml/2006/main" xmlns:c="http://schemas.openxmlformats.org/drawingml/2006/chart" xmlns:dgm="http://schemas.openxmlformats.org/drawingml/2006/diagram" xmlns:o="urn:schemas-microsoft-com:office:office" xmlns:v="urn:schemas-microsoft-com:vml" xmlns:pvml="urn:schemas-microsoft-com:office:powerpoint" xmlns:com="http://schemas.openxmlformats.org/drawingml/2006/compatibility" xmlns:p14="http://schemas.microsoft.com/office/powerpoint/2010/main" xmlns:p15="http://schemas.microsoft.com/office/powerpoint/2012/main" showMasterPhAnim="0" showMasterSp="0">
+<p:notes xmlns:a="http://schemas.openxmlformats.org/drawingml/2006/main" xmlns:r="http://schemas.openxmlformats.org/officeDocument/2006/relationships" xmlns:mc="http://schemas.openxmlformats.org/markup-compatibility/2006" xmlns:mv="urn:schemas-microsoft-com:mac:vml" xmlns:p="http://schemas.openxmlformats.org/presentationml/2006/main" xmlns:c="http://schemas.openxmlformats.org/drawingml/2006/chart" xmlns:dgm="http://schemas.openxmlformats.org/drawingml/2006/diagram" xmlns:o="urn:schemas-microsoft-com:office:office" xmlns:v="urn:schemas-microsoft-com:vml" xmlns:pvml="urn:schemas-microsoft-com:office:powerpoint" xmlns:com="http://schemas.openxmlformats.org/drawingml/2006/compatibility" xmlns:p14="http://schemas.microsoft.com/office/powerpoint/2010/main" xmlns:p15="http://schemas.microsoft.com/office/powerpoint/2012/main" xmlns:ahyp="http://schemas.microsoft.com/office/drawing/2018/hyperlinkcolor" showMasterPhAnim="0" showMasterSp="0">
   <p:cSld>
     <p:spTree>
       <p:nvGrpSpPr>
@@ -2677,7 +2677,7 @@
 </file>
 
 <file path=ppt/notesSlides/notesSlide8.xml><?xml version="1.0" encoding="utf-8"?>
-<p:notes xmlns:a="http://schemas.openxmlformats.org/drawingml/2006/main" xmlns:r="http://schemas.openxmlformats.org/officeDocument/2006/relationships" xmlns:mc="http://schemas.openxmlformats.org/markup-compatibility/2006" xmlns:mv="urn:schemas-microsoft-com:mac:vml" xmlns:p="http://schemas.openxmlformats.org/presentationml/2006/main" xmlns:c="http://schemas.openxmlformats.org/drawingml/2006/chart" xmlns:dgm="http://schemas.openxmlformats.org/drawingml/2006/diagram" xmlns:o="urn:schemas-microsoft-com:office:office" xmlns:v="urn:schemas-microsoft-com:vml" xmlns:pvml="urn:schemas-microsoft-com:office:powerpoint" xmlns:com="http://schemas.openxmlformats.org/drawingml/2006/compatibility" xmlns:p14="http://schemas.microsoft.com/office/powerpoint/2010/main" xmlns:p15="http://schemas.microsoft.com/office/powerpoint/2012/main" showMasterPhAnim="0" showMasterSp="0">
+<p:notes xmlns:a="http://schemas.openxmlformats.org/drawingml/2006/main" xmlns:r="http://schemas.openxmlformats.org/officeDocument/2006/relationships" xmlns:mc="http://schemas.openxmlformats.org/markup-compatibility/2006" xmlns:mv="urn:schemas-microsoft-com:mac:vml" xmlns:p="http://schemas.openxmlformats.org/presentationml/2006/main" xmlns:c="http://schemas.openxmlformats.org/drawingml/2006/chart" xmlns:dgm="http://schemas.openxmlformats.org/drawingml/2006/diagram" xmlns:o="urn:schemas-microsoft-com:office:office" xmlns:v="urn:schemas-microsoft-com:vml" xmlns:pvml="urn:schemas-microsoft-com:office:powerpoint" xmlns:com="http://schemas.openxmlformats.org/drawingml/2006/compatibility" xmlns:p14="http://schemas.microsoft.com/office/powerpoint/2010/main" xmlns:p15="http://schemas.microsoft.com/office/powerpoint/2012/main" xmlns:ahyp="http://schemas.microsoft.com/office/drawing/2018/hyperlinkcolor" showMasterPhAnim="0" showMasterSp="0">
   <p:cSld>
     <p:spTree>
       <p:nvGrpSpPr>
@@ -2776,7 +2776,7 @@
 </file>
 
 <file path=ppt/notesSlides/notesSlide9.xml><?xml version="1.0" encoding="utf-8"?>
-<p:notes xmlns:a="http://schemas.openxmlformats.org/drawingml/2006/main" xmlns:r="http://schemas.openxmlformats.org/officeDocument/2006/relationships" xmlns:mc="http://schemas.openxmlformats.org/markup-compatibility/2006" xmlns:mv="urn:schemas-microsoft-com:mac:vml" xmlns:p="http://schemas.openxmlformats.org/presentationml/2006/main" xmlns:c="http://schemas.openxmlformats.org/drawingml/2006/chart" xmlns:dgm="http://schemas.openxmlformats.org/drawingml/2006/diagram" xmlns:o="urn:schemas-microsoft-com:office:office" xmlns:v="urn:schemas-microsoft-com:vml" xmlns:pvml="urn:schemas-microsoft-com:office:powerpoint" xmlns:com="http://schemas.openxmlformats.org/drawingml/2006/compatibility" xmlns:p14="http://schemas.microsoft.com/office/powerpoint/2010/main" xmlns:p15="http://schemas.microsoft.com/office/powerpoint/2012/main" showMasterPhAnim="0" showMasterSp="0">
+<p:notes xmlns:a="http://schemas.openxmlformats.org/drawingml/2006/main" xmlns:r="http://schemas.openxmlformats.org/officeDocument/2006/relationships" xmlns:mc="http://schemas.openxmlformats.org/markup-compatibility/2006" xmlns:mv="urn:schemas-microsoft-com:mac:vml" xmlns:p="http://schemas.openxmlformats.org/presentationml/2006/main" xmlns:c="http://schemas.openxmlformats.org/drawingml/2006/chart" xmlns:dgm="http://schemas.openxmlformats.org/drawingml/2006/diagram" xmlns:o="urn:schemas-microsoft-com:office:office" xmlns:v="urn:schemas-microsoft-com:vml" xmlns:pvml="urn:schemas-microsoft-com:office:powerpoint" xmlns:com="http://schemas.openxmlformats.org/drawingml/2006/compatibility" xmlns:p14="http://schemas.microsoft.com/office/powerpoint/2010/main" xmlns:p15="http://schemas.microsoft.com/office/powerpoint/2012/main" xmlns:ahyp="http://schemas.microsoft.com/office/drawing/2018/hyperlinkcolor" showMasterPhAnim="0" showMasterSp="0">
   <p:cSld>
     <p:spTree>
       <p:nvGrpSpPr>
@@ -2875,7 +2875,7 @@
 </file>
 
 <file path=ppt/slideLayouts/slideLayout1.xml><?xml version="1.0" encoding="utf-8"?>
-<p:sldLayout xmlns:a="http://schemas.openxmlformats.org/drawingml/2006/main" xmlns:r="http://schemas.openxmlformats.org/officeDocument/2006/relationships" xmlns:mc="http://schemas.openxmlformats.org/markup-compatibility/2006" xmlns:mv="urn:schemas-microsoft-com:mac:vml" xmlns:p="http://schemas.openxmlformats.org/presentationml/2006/main" xmlns:c="http://schemas.openxmlformats.org/drawingml/2006/chart" xmlns:dgm="http://schemas.openxmlformats.org/drawingml/2006/diagram" xmlns:o="urn:schemas-microsoft-com:office:office" xmlns:v="urn:schemas-microsoft-com:vml" xmlns:pvml="urn:schemas-microsoft-com:office:powerpoint" xmlns:com="http://schemas.openxmlformats.org/drawingml/2006/compatibility" xmlns:p14="http://schemas.microsoft.com/office/powerpoint/2010/main" xmlns:p15="http://schemas.microsoft.com/office/powerpoint/2012/main" matchingName="Title Slide" showMasterSp="0" type="title">
+<p:sldLayout xmlns:a="http://schemas.openxmlformats.org/drawingml/2006/main" xmlns:r="http://schemas.openxmlformats.org/officeDocument/2006/relationships" xmlns:mc="http://schemas.openxmlformats.org/markup-compatibility/2006" xmlns:mv="urn:schemas-microsoft-com:mac:vml" xmlns:p="http://schemas.openxmlformats.org/presentationml/2006/main" xmlns:c="http://schemas.openxmlformats.org/drawingml/2006/chart" xmlns:dgm="http://schemas.openxmlformats.org/drawingml/2006/diagram" xmlns:o="urn:schemas-microsoft-com:office:office" xmlns:v="urn:schemas-microsoft-com:vml" xmlns:pvml="urn:schemas-microsoft-com:office:powerpoint" xmlns:com="http://schemas.openxmlformats.org/drawingml/2006/compatibility" xmlns:p14="http://schemas.microsoft.com/office/powerpoint/2010/main" xmlns:p15="http://schemas.microsoft.com/office/powerpoint/2012/main" xmlns:ahyp="http://schemas.microsoft.com/office/drawing/2018/hyperlinkcolor" matchingName="Title Slide" showMasterSp="0" type="title">
   <p:cSld name="TITLE">
     <p:spTree>
       <p:nvGrpSpPr>
@@ -3634,7 +3634,7 @@
 </file>
 
 <file path=ppt/slideLayouts/slideLayout10.xml><?xml version="1.0" encoding="utf-8"?>
-<p:sldLayout xmlns:a="http://schemas.openxmlformats.org/drawingml/2006/main" xmlns:r="http://schemas.openxmlformats.org/officeDocument/2006/relationships" xmlns:mc="http://schemas.openxmlformats.org/markup-compatibility/2006" xmlns:mv="urn:schemas-microsoft-com:mac:vml" xmlns:p="http://schemas.openxmlformats.org/presentationml/2006/main" xmlns:c="http://schemas.openxmlformats.org/drawingml/2006/chart" xmlns:dgm="http://schemas.openxmlformats.org/drawingml/2006/diagram" xmlns:o="urn:schemas-microsoft-com:office:office" xmlns:v="urn:schemas-microsoft-com:vml" xmlns:pvml="urn:schemas-microsoft-com:office:powerpoint" xmlns:com="http://schemas.openxmlformats.org/drawingml/2006/compatibility" xmlns:p14="http://schemas.microsoft.com/office/powerpoint/2010/main" xmlns:p15="http://schemas.microsoft.com/office/powerpoint/2012/main" matchingName="Title and Vertical Text" type="vertTx">
+<p:sldLayout xmlns:a="http://schemas.openxmlformats.org/drawingml/2006/main" xmlns:r="http://schemas.openxmlformats.org/officeDocument/2006/relationships" xmlns:mc="http://schemas.openxmlformats.org/markup-compatibility/2006" xmlns:mv="urn:schemas-microsoft-com:mac:vml" xmlns:p="http://schemas.openxmlformats.org/presentationml/2006/main" xmlns:c="http://schemas.openxmlformats.org/drawingml/2006/chart" xmlns:dgm="http://schemas.openxmlformats.org/drawingml/2006/diagram" xmlns:o="urn:schemas-microsoft-com:office:office" xmlns:v="urn:schemas-microsoft-com:vml" xmlns:pvml="urn:schemas-microsoft-com:office:powerpoint" xmlns:com="http://schemas.openxmlformats.org/drawingml/2006/compatibility" xmlns:p14="http://schemas.microsoft.com/office/powerpoint/2010/main" xmlns:p15="http://schemas.microsoft.com/office/powerpoint/2012/main" xmlns:ahyp="http://schemas.microsoft.com/office/drawing/2018/hyperlinkcolor" matchingName="Title and Vertical Text" type="vertTx">
   <p:cSld name="VERTICAL_TEXT">
     <p:spTree>
       <p:nvGrpSpPr>
@@ -4316,7 +4316,7 @@
 </file>
 
 <file path=ppt/slideLayouts/slideLayout11.xml><?xml version="1.0" encoding="utf-8"?>
-<p:sldLayout xmlns:a="http://schemas.openxmlformats.org/drawingml/2006/main" xmlns:r="http://schemas.openxmlformats.org/officeDocument/2006/relationships" xmlns:mc="http://schemas.openxmlformats.org/markup-compatibility/2006" xmlns:mv="urn:schemas-microsoft-com:mac:vml" xmlns:p="http://schemas.openxmlformats.org/presentationml/2006/main" xmlns:c="http://schemas.openxmlformats.org/drawingml/2006/chart" xmlns:dgm="http://schemas.openxmlformats.org/drawingml/2006/diagram" xmlns:o="urn:schemas-microsoft-com:office:office" xmlns:v="urn:schemas-microsoft-com:vml" xmlns:pvml="urn:schemas-microsoft-com:office:powerpoint" xmlns:com="http://schemas.openxmlformats.org/drawingml/2006/compatibility" xmlns:p14="http://schemas.microsoft.com/office/powerpoint/2010/main" xmlns:p15="http://schemas.microsoft.com/office/powerpoint/2012/main" matchingName="Vertical Title and Text" showMasterSp="0" type="vertTitleAndTx">
+<p:sldLayout xmlns:a="http://schemas.openxmlformats.org/drawingml/2006/main" xmlns:r="http://schemas.openxmlformats.org/officeDocument/2006/relationships" xmlns:mc="http://schemas.openxmlformats.org/markup-compatibility/2006" xmlns:mv="urn:schemas-microsoft-com:mac:vml" xmlns:p="http://schemas.openxmlformats.org/presentationml/2006/main" xmlns:c="http://schemas.openxmlformats.org/drawingml/2006/chart" xmlns:dgm="http://schemas.openxmlformats.org/drawingml/2006/diagram" xmlns:o="urn:schemas-microsoft-com:office:office" xmlns:v="urn:schemas-microsoft-com:vml" xmlns:pvml="urn:schemas-microsoft-com:office:powerpoint" xmlns:com="http://schemas.openxmlformats.org/drawingml/2006/compatibility" xmlns:p14="http://schemas.microsoft.com/office/powerpoint/2010/main" xmlns:p15="http://schemas.microsoft.com/office/powerpoint/2012/main" xmlns:ahyp="http://schemas.microsoft.com/office/drawing/2018/hyperlinkcolor" matchingName="Vertical Title and Text" showMasterSp="0" type="vertTitleAndTx">
   <p:cSld name="VERTICAL_TITLE_AND_VERTICAL_TEXT">
     <p:spTree>
       <p:nvGrpSpPr>
@@ -5024,7 +5024,7 @@
 </file>
 
 <file path=ppt/slideLayouts/slideLayout2.xml><?xml version="1.0" encoding="utf-8"?>
-<p:sldLayout xmlns:a="http://schemas.openxmlformats.org/drawingml/2006/main" xmlns:r="http://schemas.openxmlformats.org/officeDocument/2006/relationships" xmlns:mc="http://schemas.openxmlformats.org/markup-compatibility/2006" xmlns:mv="urn:schemas-microsoft-com:mac:vml" xmlns:p="http://schemas.openxmlformats.org/presentationml/2006/main" xmlns:c="http://schemas.openxmlformats.org/drawingml/2006/chart" xmlns:dgm="http://schemas.openxmlformats.org/drawingml/2006/diagram" xmlns:o="urn:schemas-microsoft-com:office:office" xmlns:v="urn:schemas-microsoft-com:vml" xmlns:pvml="urn:schemas-microsoft-com:office:powerpoint" xmlns:com="http://schemas.openxmlformats.org/drawingml/2006/compatibility" xmlns:p14="http://schemas.microsoft.com/office/powerpoint/2010/main" xmlns:p15="http://schemas.microsoft.com/office/powerpoint/2012/main" matchingName="Title and Content" type="obj">
+<p:sldLayout xmlns:a="http://schemas.openxmlformats.org/drawingml/2006/main" xmlns:r="http://schemas.openxmlformats.org/officeDocument/2006/relationships" xmlns:mc="http://schemas.openxmlformats.org/markup-compatibility/2006" xmlns:mv="urn:schemas-microsoft-com:mac:vml" xmlns:p="http://schemas.openxmlformats.org/presentationml/2006/main" xmlns:c="http://schemas.openxmlformats.org/drawingml/2006/chart" xmlns:dgm="http://schemas.openxmlformats.org/drawingml/2006/diagram" xmlns:o="urn:schemas-microsoft-com:office:office" xmlns:v="urn:schemas-microsoft-com:vml" xmlns:pvml="urn:schemas-microsoft-com:office:powerpoint" xmlns:com="http://schemas.openxmlformats.org/drawingml/2006/compatibility" xmlns:p14="http://schemas.microsoft.com/office/powerpoint/2010/main" xmlns:p15="http://schemas.microsoft.com/office/powerpoint/2012/main" xmlns:ahyp="http://schemas.microsoft.com/office/drawing/2018/hyperlinkcolor" matchingName="Title and Content" type="obj">
   <p:cSld name="OBJECT">
     <p:spTree>
       <p:nvGrpSpPr>
@@ -5706,7 +5706,7 @@
 </file>
 
 <file path=ppt/slideLayouts/slideLayout3.xml><?xml version="1.0" encoding="utf-8"?>
-<p:sldLayout xmlns:a="http://schemas.openxmlformats.org/drawingml/2006/main" xmlns:r="http://schemas.openxmlformats.org/officeDocument/2006/relationships" xmlns:mc="http://schemas.openxmlformats.org/markup-compatibility/2006" xmlns:mv="urn:schemas-microsoft-com:mac:vml" xmlns:p="http://schemas.openxmlformats.org/presentationml/2006/main" xmlns:c="http://schemas.openxmlformats.org/drawingml/2006/chart" xmlns:dgm="http://schemas.openxmlformats.org/drawingml/2006/diagram" xmlns:o="urn:schemas-microsoft-com:office:office" xmlns:v="urn:schemas-microsoft-com:vml" xmlns:pvml="urn:schemas-microsoft-com:office:powerpoint" xmlns:com="http://schemas.openxmlformats.org/drawingml/2006/compatibility" xmlns:p14="http://schemas.microsoft.com/office/powerpoint/2010/main" xmlns:p15="http://schemas.microsoft.com/office/powerpoint/2012/main" matchingName="Two Content" type="twoObj">
+<p:sldLayout xmlns:a="http://schemas.openxmlformats.org/drawingml/2006/main" xmlns:r="http://schemas.openxmlformats.org/officeDocument/2006/relationships" xmlns:mc="http://schemas.openxmlformats.org/markup-compatibility/2006" xmlns:mv="urn:schemas-microsoft-com:mac:vml" xmlns:p="http://schemas.openxmlformats.org/presentationml/2006/main" xmlns:c="http://schemas.openxmlformats.org/drawingml/2006/chart" xmlns:dgm="http://schemas.openxmlformats.org/drawingml/2006/diagram" xmlns:o="urn:schemas-microsoft-com:office:office" xmlns:v="urn:schemas-microsoft-com:vml" xmlns:pvml="urn:schemas-microsoft-com:office:powerpoint" xmlns:com="http://schemas.openxmlformats.org/drawingml/2006/compatibility" xmlns:p14="http://schemas.microsoft.com/office/powerpoint/2010/main" xmlns:p15="http://schemas.microsoft.com/office/powerpoint/2012/main" xmlns:ahyp="http://schemas.microsoft.com/office/drawing/2018/hyperlinkcolor" matchingName="Two Content" type="twoObj">
   <p:cSld name="TWO_OBJECTS">
     <p:spTree>
       <p:nvGrpSpPr>
@@ -6544,7 +6544,7 @@
 </file>
 
 <file path=ppt/slideLayouts/slideLayout4.xml><?xml version="1.0" encoding="utf-8"?>
-<p:sldLayout xmlns:a="http://schemas.openxmlformats.org/drawingml/2006/main" xmlns:r="http://schemas.openxmlformats.org/officeDocument/2006/relationships" xmlns:mc="http://schemas.openxmlformats.org/markup-compatibility/2006" xmlns:mv="urn:schemas-microsoft-com:mac:vml" xmlns:p="http://schemas.openxmlformats.org/presentationml/2006/main" xmlns:c="http://schemas.openxmlformats.org/drawingml/2006/chart" xmlns:dgm="http://schemas.openxmlformats.org/drawingml/2006/diagram" xmlns:o="urn:schemas-microsoft-com:office:office" xmlns:v="urn:schemas-microsoft-com:vml" xmlns:pvml="urn:schemas-microsoft-com:office:powerpoint" xmlns:com="http://schemas.openxmlformats.org/drawingml/2006/compatibility" xmlns:p14="http://schemas.microsoft.com/office/powerpoint/2010/main" xmlns:p15="http://schemas.microsoft.com/office/powerpoint/2012/main" matchingName="Section Header" showMasterSp="0" type="secHead">
+<p:sldLayout xmlns:a="http://schemas.openxmlformats.org/drawingml/2006/main" xmlns:r="http://schemas.openxmlformats.org/officeDocument/2006/relationships" xmlns:mc="http://schemas.openxmlformats.org/markup-compatibility/2006" xmlns:mv="urn:schemas-microsoft-com:mac:vml" xmlns:p="http://schemas.openxmlformats.org/presentationml/2006/main" xmlns:c="http://schemas.openxmlformats.org/drawingml/2006/chart" xmlns:dgm="http://schemas.openxmlformats.org/drawingml/2006/diagram" xmlns:o="urn:schemas-microsoft-com:office:office" xmlns:v="urn:schemas-microsoft-com:vml" xmlns:pvml="urn:schemas-microsoft-com:office:powerpoint" xmlns:com="http://schemas.openxmlformats.org/drawingml/2006/compatibility" xmlns:p14="http://schemas.microsoft.com/office/powerpoint/2010/main" xmlns:p15="http://schemas.microsoft.com/office/powerpoint/2012/main" xmlns:ahyp="http://schemas.microsoft.com/office/drawing/2018/hyperlinkcolor" matchingName="Section Header" showMasterSp="0" type="secHead">
   <p:cSld name="SECTION_HEADER">
     <p:spTree>
       <p:nvGrpSpPr>
@@ -7335,7 +7335,7 @@
 </file>
 
 <file path=ppt/slideLayouts/slideLayout5.xml><?xml version="1.0" encoding="utf-8"?>
-<p:sldLayout xmlns:a="http://schemas.openxmlformats.org/drawingml/2006/main" xmlns:r="http://schemas.openxmlformats.org/officeDocument/2006/relationships" xmlns:mc="http://schemas.openxmlformats.org/markup-compatibility/2006" xmlns:mv="urn:schemas-microsoft-com:mac:vml" xmlns:p="http://schemas.openxmlformats.org/presentationml/2006/main" xmlns:c="http://schemas.openxmlformats.org/drawingml/2006/chart" xmlns:dgm="http://schemas.openxmlformats.org/drawingml/2006/diagram" xmlns:o="urn:schemas-microsoft-com:office:office" xmlns:v="urn:schemas-microsoft-com:vml" xmlns:pvml="urn:schemas-microsoft-com:office:powerpoint" xmlns:com="http://schemas.openxmlformats.org/drawingml/2006/compatibility" xmlns:p14="http://schemas.microsoft.com/office/powerpoint/2010/main" xmlns:p15="http://schemas.microsoft.com/office/powerpoint/2012/main" matchingName="Comparison" type="twoTxTwoObj">
+<p:sldLayout xmlns:a="http://schemas.openxmlformats.org/drawingml/2006/main" xmlns:r="http://schemas.openxmlformats.org/officeDocument/2006/relationships" xmlns:mc="http://schemas.openxmlformats.org/markup-compatibility/2006" xmlns:mv="urn:schemas-microsoft-com:mac:vml" xmlns:p="http://schemas.openxmlformats.org/presentationml/2006/main" xmlns:c="http://schemas.openxmlformats.org/drawingml/2006/chart" xmlns:dgm="http://schemas.openxmlformats.org/drawingml/2006/diagram" xmlns:o="urn:schemas-microsoft-com:office:office" xmlns:v="urn:schemas-microsoft-com:vml" xmlns:pvml="urn:schemas-microsoft-com:office:powerpoint" xmlns:com="http://schemas.openxmlformats.org/drawingml/2006/compatibility" xmlns:p14="http://schemas.microsoft.com/office/powerpoint/2010/main" xmlns:p15="http://schemas.microsoft.com/office/powerpoint/2012/main" xmlns:ahyp="http://schemas.microsoft.com/office/drawing/2018/hyperlinkcolor" matchingName="Comparison" type="twoTxTwoObj">
   <p:cSld name="TWO_OBJECTS_WITH_TEXT">
     <p:spTree>
       <p:nvGrpSpPr>
@@ -8501,7 +8501,7 @@
 </file>
 
 <file path=ppt/slideLayouts/slideLayout6.xml><?xml version="1.0" encoding="utf-8"?>
-<p:sldLayout xmlns:a="http://schemas.openxmlformats.org/drawingml/2006/main" xmlns:r="http://schemas.openxmlformats.org/officeDocument/2006/relationships" xmlns:mc="http://schemas.openxmlformats.org/markup-compatibility/2006" xmlns:mv="urn:schemas-microsoft-com:mac:vml" xmlns:p="http://schemas.openxmlformats.org/presentationml/2006/main" xmlns:c="http://schemas.openxmlformats.org/drawingml/2006/chart" xmlns:dgm="http://schemas.openxmlformats.org/drawingml/2006/diagram" xmlns:o="urn:schemas-microsoft-com:office:office" xmlns:v="urn:schemas-microsoft-com:vml" xmlns:pvml="urn:schemas-microsoft-com:office:powerpoint" xmlns:com="http://schemas.openxmlformats.org/drawingml/2006/compatibility" xmlns:p14="http://schemas.microsoft.com/office/powerpoint/2010/main" xmlns:p15="http://schemas.microsoft.com/office/powerpoint/2012/main" matchingName="Title Only" type="titleOnly">
+<p:sldLayout xmlns:a="http://schemas.openxmlformats.org/drawingml/2006/main" xmlns:r="http://schemas.openxmlformats.org/officeDocument/2006/relationships" xmlns:mc="http://schemas.openxmlformats.org/markup-compatibility/2006" xmlns:mv="urn:schemas-microsoft-com:mac:vml" xmlns:p="http://schemas.openxmlformats.org/presentationml/2006/main" xmlns:c="http://schemas.openxmlformats.org/drawingml/2006/chart" xmlns:dgm="http://schemas.openxmlformats.org/drawingml/2006/diagram" xmlns:o="urn:schemas-microsoft-com:office:office" xmlns:v="urn:schemas-microsoft-com:vml" xmlns:pvml="urn:schemas-microsoft-com:office:powerpoint" xmlns:com="http://schemas.openxmlformats.org/drawingml/2006/compatibility" xmlns:p14="http://schemas.microsoft.com/office/powerpoint/2010/main" xmlns:p15="http://schemas.microsoft.com/office/powerpoint/2012/main" xmlns:ahyp="http://schemas.microsoft.com/office/drawing/2018/hyperlinkcolor" matchingName="Title Only" type="titleOnly">
   <p:cSld name="TITLE_ONLY">
     <p:spTree>
       <p:nvGrpSpPr>
@@ -9027,7 +9027,7 @@
 </file>
 
 <file path=ppt/slideLayouts/slideLayout7.xml><?xml version="1.0" encoding="utf-8"?>
-<p:sldLayout xmlns:a="http://schemas.openxmlformats.org/drawingml/2006/main" xmlns:r="http://schemas.openxmlformats.org/officeDocument/2006/relationships" xmlns:mc="http://schemas.openxmlformats.org/markup-compatibility/2006" xmlns:mv="urn:schemas-microsoft-com:mac:vml" xmlns:p="http://schemas.openxmlformats.org/presentationml/2006/main" xmlns:c="http://schemas.openxmlformats.org/drawingml/2006/chart" xmlns:dgm="http://schemas.openxmlformats.org/drawingml/2006/diagram" xmlns:o="urn:schemas-microsoft-com:office:office" xmlns:v="urn:schemas-microsoft-com:vml" xmlns:pvml="urn:schemas-microsoft-com:office:powerpoint" xmlns:com="http://schemas.openxmlformats.org/drawingml/2006/compatibility" xmlns:p14="http://schemas.microsoft.com/office/powerpoint/2010/main" xmlns:p15="http://schemas.microsoft.com/office/powerpoint/2012/main" matchingName="Blank" showMasterSp="0" type="blank">
+<p:sldLayout xmlns:a="http://schemas.openxmlformats.org/drawingml/2006/main" xmlns:r="http://schemas.openxmlformats.org/officeDocument/2006/relationships" xmlns:mc="http://schemas.openxmlformats.org/markup-compatibility/2006" xmlns:mv="urn:schemas-microsoft-com:mac:vml" xmlns:p="http://schemas.openxmlformats.org/presentationml/2006/main" xmlns:c="http://schemas.openxmlformats.org/drawingml/2006/chart" xmlns:dgm="http://schemas.openxmlformats.org/drawingml/2006/diagram" xmlns:o="urn:schemas-microsoft-com:office:office" xmlns:v="urn:schemas-microsoft-com:vml" xmlns:pvml="urn:schemas-microsoft-com:office:powerpoint" xmlns:com="http://schemas.openxmlformats.org/drawingml/2006/compatibility" xmlns:p14="http://schemas.microsoft.com/office/powerpoint/2010/main" xmlns:p15="http://schemas.microsoft.com/office/powerpoint/2012/main" xmlns:ahyp="http://schemas.microsoft.com/office/drawing/2018/hyperlinkcolor" matchingName="Blank" showMasterSp="0" type="blank">
   <p:cSld name="BLANK">
     <p:spTree>
       <p:nvGrpSpPr>
@@ -9418,7 +9418,7 @@
 </file>
 
 <file path=ppt/slideLayouts/slideLayout8.xml><?xml version="1.0" encoding="utf-8"?>
-<p:sldLayout xmlns:a="http://schemas.openxmlformats.org/drawingml/2006/main" xmlns:r="http://schemas.openxmlformats.org/officeDocument/2006/relationships" xmlns:mc="http://schemas.openxmlformats.org/markup-compatibility/2006" xmlns:mv="urn:schemas-microsoft-com:mac:vml" xmlns:p="http://schemas.openxmlformats.org/presentationml/2006/main" xmlns:c="http://schemas.openxmlformats.org/drawingml/2006/chart" xmlns:dgm="http://schemas.openxmlformats.org/drawingml/2006/diagram" xmlns:o="urn:schemas-microsoft-com:office:office" xmlns:v="urn:schemas-microsoft-com:vml" xmlns:pvml="urn:schemas-microsoft-com:office:powerpoint" xmlns:com="http://schemas.openxmlformats.org/drawingml/2006/compatibility" xmlns:p14="http://schemas.microsoft.com/office/powerpoint/2010/main" xmlns:p15="http://schemas.microsoft.com/office/powerpoint/2012/main" matchingName="Content with Caption" type="objTx">
+<p:sldLayout xmlns:a="http://schemas.openxmlformats.org/drawingml/2006/main" xmlns:r="http://schemas.openxmlformats.org/officeDocument/2006/relationships" xmlns:mc="http://schemas.openxmlformats.org/markup-compatibility/2006" xmlns:mv="urn:schemas-microsoft-com:mac:vml" xmlns:p="http://schemas.openxmlformats.org/presentationml/2006/main" xmlns:c="http://schemas.openxmlformats.org/drawingml/2006/chart" xmlns:dgm="http://schemas.openxmlformats.org/drawingml/2006/diagram" xmlns:o="urn:schemas-microsoft-com:office:office" xmlns:v="urn:schemas-microsoft-com:vml" xmlns:pvml="urn:schemas-microsoft-com:office:powerpoint" xmlns:com="http://schemas.openxmlformats.org/drawingml/2006/compatibility" xmlns:p14="http://schemas.microsoft.com/office/powerpoint/2010/main" xmlns:p15="http://schemas.microsoft.com/office/powerpoint/2012/main" xmlns:ahyp="http://schemas.microsoft.com/office/drawing/2018/hyperlinkcolor" matchingName="Content with Caption" type="objTx">
   <p:cSld name="OBJECT_WITH_CAPTION_TEXT">
     <p:spTree>
       <p:nvGrpSpPr>
@@ -10257,7 +10257,7 @@
 </file>
 
 <file path=ppt/slideLayouts/slideLayout9.xml><?xml version="1.0" encoding="utf-8"?>
-<p:sldLayout xmlns:a="http://schemas.openxmlformats.org/drawingml/2006/main" xmlns:r="http://schemas.openxmlformats.org/officeDocument/2006/relationships" xmlns:mc="http://schemas.openxmlformats.org/markup-compatibility/2006" xmlns:mv="urn:schemas-microsoft-com:mac:vml" xmlns:p="http://schemas.openxmlformats.org/presentationml/2006/main" xmlns:c="http://schemas.openxmlformats.org/drawingml/2006/chart" xmlns:dgm="http://schemas.openxmlformats.org/drawingml/2006/diagram" xmlns:o="urn:schemas-microsoft-com:office:office" xmlns:v="urn:schemas-microsoft-com:vml" xmlns:pvml="urn:schemas-microsoft-com:office:powerpoint" xmlns:com="http://schemas.openxmlformats.org/drawingml/2006/compatibility" xmlns:p14="http://schemas.microsoft.com/office/powerpoint/2010/main" xmlns:p15="http://schemas.microsoft.com/office/powerpoint/2012/main" matchingName="Picture with Caption" showMasterSp="0" type="picTx">
+<p:sldLayout xmlns:a="http://schemas.openxmlformats.org/drawingml/2006/main" xmlns:r="http://schemas.openxmlformats.org/officeDocument/2006/relationships" xmlns:mc="http://schemas.openxmlformats.org/markup-compatibility/2006" xmlns:mv="urn:schemas-microsoft-com:mac:vml" xmlns:p="http://schemas.openxmlformats.org/presentationml/2006/main" xmlns:c="http://schemas.openxmlformats.org/drawingml/2006/chart" xmlns:dgm="http://schemas.openxmlformats.org/drawingml/2006/diagram" xmlns:o="urn:schemas-microsoft-com:office:office" xmlns:v="urn:schemas-microsoft-com:vml" xmlns:pvml="urn:schemas-microsoft-com:office:powerpoint" xmlns:com="http://schemas.openxmlformats.org/drawingml/2006/compatibility" xmlns:p14="http://schemas.microsoft.com/office/powerpoint/2010/main" xmlns:p15="http://schemas.microsoft.com/office/powerpoint/2012/main" xmlns:ahyp="http://schemas.microsoft.com/office/drawing/2018/hyperlinkcolor" matchingName="Picture with Caption" showMasterSp="0" type="picTx">
   <p:cSld name="PICTURE_WITH_CAPTION_TEXT">
     <p:spTree>
       <p:nvGrpSpPr>
@@ -11236,7 +11236,7 @@
 </file>
 
 <file path=ppt/slideMasters/slideMaster1.xml><?xml version="1.0" encoding="utf-8"?>
-<p:sldMaster xmlns:a="http://schemas.openxmlformats.org/drawingml/2006/main" xmlns:r="http://schemas.openxmlformats.org/officeDocument/2006/relationships" xmlns:mc="http://schemas.openxmlformats.org/markup-compatibility/2006" xmlns:mv="urn:schemas-microsoft-com:mac:vml" xmlns:p="http://schemas.openxmlformats.org/presentationml/2006/main" xmlns:c="http://schemas.openxmlformats.org/drawingml/2006/chart" xmlns:dgm="http://schemas.openxmlformats.org/drawingml/2006/diagram" xmlns:o="urn:schemas-microsoft-com:office:office" xmlns:v="urn:schemas-microsoft-com:vml" xmlns:pvml="urn:schemas-microsoft-com:office:powerpoint" xmlns:com="http://schemas.openxmlformats.org/drawingml/2006/compatibility" xmlns:p14="http://schemas.microsoft.com/office/powerpoint/2010/main" xmlns:p15="http://schemas.microsoft.com/office/powerpoint/2012/main">
+<p:sldMaster xmlns:a="http://schemas.openxmlformats.org/drawingml/2006/main" xmlns:r="http://schemas.openxmlformats.org/officeDocument/2006/relationships" xmlns:mc="http://schemas.openxmlformats.org/markup-compatibility/2006" xmlns:mv="urn:schemas-microsoft-com:mac:vml" xmlns:p="http://schemas.openxmlformats.org/presentationml/2006/main" xmlns:c="http://schemas.openxmlformats.org/drawingml/2006/chart" xmlns:dgm="http://schemas.openxmlformats.org/drawingml/2006/diagram" xmlns:o="urn:schemas-microsoft-com:office:office" xmlns:v="urn:schemas-microsoft-com:vml" xmlns:pvml="urn:schemas-microsoft-com:office:powerpoint" xmlns:com="http://schemas.openxmlformats.org/drawingml/2006/compatibility" xmlns:p14="http://schemas.microsoft.com/office/powerpoint/2010/main" xmlns:p15="http://schemas.microsoft.com/office/powerpoint/2012/main" xmlns:ahyp="http://schemas.microsoft.com/office/drawing/2018/hyperlinkcolor">
   <p:cSld>
     <p:bg>
       <p:bgPr>
@@ -12985,7 +12985,7 @@
 </file>
 
 <file path=ppt/slides/slide1.xml><?xml version="1.0" encoding="utf-8"?>
-<p:sld xmlns:a="http://schemas.openxmlformats.org/drawingml/2006/main" xmlns:r="http://schemas.openxmlformats.org/officeDocument/2006/relationships" xmlns:mc="http://schemas.openxmlformats.org/markup-compatibility/2006" xmlns:mv="urn:schemas-microsoft-com:mac:vml" xmlns:p="http://schemas.openxmlformats.org/presentationml/2006/main" xmlns:c="http://schemas.openxmlformats.org/drawingml/2006/chart" xmlns:dgm="http://schemas.openxmlformats.org/drawingml/2006/diagram" xmlns:o="urn:schemas-microsoft-com:office:office" xmlns:v="urn:schemas-microsoft-com:vml" xmlns:pvml="urn:schemas-microsoft-com:office:powerpoint" xmlns:com="http://schemas.openxmlformats.org/drawingml/2006/compatibility" xmlns:p14="http://schemas.microsoft.com/office/powerpoint/2010/main" xmlns:p15="http://schemas.microsoft.com/office/powerpoint/2012/main">
+<p:sld xmlns:a="http://schemas.openxmlformats.org/drawingml/2006/main" xmlns:r="http://schemas.openxmlformats.org/officeDocument/2006/relationships" xmlns:mc="http://schemas.openxmlformats.org/markup-compatibility/2006" xmlns:mv="urn:schemas-microsoft-com:mac:vml" xmlns:p="http://schemas.openxmlformats.org/presentationml/2006/main" xmlns:c="http://schemas.openxmlformats.org/drawingml/2006/chart" xmlns:dgm="http://schemas.openxmlformats.org/drawingml/2006/diagram" xmlns:o="urn:schemas-microsoft-com:office:office" xmlns:v="urn:schemas-microsoft-com:vml" xmlns:pvml="urn:schemas-microsoft-com:office:powerpoint" xmlns:com="http://schemas.openxmlformats.org/drawingml/2006/compatibility" xmlns:p14="http://schemas.microsoft.com/office/powerpoint/2010/main" xmlns:p15="http://schemas.microsoft.com/office/powerpoint/2012/main" xmlns:ahyp="http://schemas.microsoft.com/office/drawing/2018/hyperlinkcolor">
   <p:cSld>
     <p:spTree>
       <p:nvGrpSpPr>
@@ -13110,7 +13110,7 @@
 </file>
 
 <file path=ppt/slides/slide10.xml><?xml version="1.0" encoding="utf-8"?>
-<p:sld xmlns:a="http://schemas.openxmlformats.org/drawingml/2006/main" xmlns:r="http://schemas.openxmlformats.org/officeDocument/2006/relationships" xmlns:mc="http://schemas.openxmlformats.org/markup-compatibility/2006" xmlns:mv="urn:schemas-microsoft-com:mac:vml" xmlns:p="http://schemas.openxmlformats.org/presentationml/2006/main" xmlns:c="http://schemas.openxmlformats.org/drawingml/2006/chart" xmlns:dgm="http://schemas.openxmlformats.org/drawingml/2006/diagram" xmlns:o="urn:schemas-microsoft-com:office:office" xmlns:v="urn:schemas-microsoft-com:vml" xmlns:pvml="urn:schemas-microsoft-com:office:powerpoint" xmlns:com="http://schemas.openxmlformats.org/drawingml/2006/compatibility" xmlns:p14="http://schemas.microsoft.com/office/powerpoint/2010/main" xmlns:p15="http://schemas.microsoft.com/office/powerpoint/2012/main">
+<p:sld xmlns:a="http://schemas.openxmlformats.org/drawingml/2006/main" xmlns:r="http://schemas.openxmlformats.org/officeDocument/2006/relationships" xmlns:mc="http://schemas.openxmlformats.org/markup-compatibility/2006" xmlns:mv="urn:schemas-microsoft-com:mac:vml" xmlns:p="http://schemas.openxmlformats.org/presentationml/2006/main" xmlns:c="http://schemas.openxmlformats.org/drawingml/2006/chart" xmlns:dgm="http://schemas.openxmlformats.org/drawingml/2006/diagram" xmlns:o="urn:schemas-microsoft-com:office:office" xmlns:v="urn:schemas-microsoft-com:vml" xmlns:pvml="urn:schemas-microsoft-com:office:powerpoint" xmlns:com="http://schemas.openxmlformats.org/drawingml/2006/compatibility" xmlns:p14="http://schemas.microsoft.com/office/powerpoint/2010/main" xmlns:p15="http://schemas.microsoft.com/office/powerpoint/2012/main" xmlns:ahyp="http://schemas.microsoft.com/office/drawing/2018/hyperlinkcolor">
   <p:cSld>
     <p:spTree>
       <p:nvGrpSpPr>
@@ -13362,7 +13362,7 @@
 </file>
 
 <file path=ppt/slides/slide11.xml><?xml version="1.0" encoding="utf-8"?>
-<p:sld xmlns:a="http://schemas.openxmlformats.org/drawingml/2006/main" xmlns:r="http://schemas.openxmlformats.org/officeDocument/2006/relationships" xmlns:mc="http://schemas.openxmlformats.org/markup-compatibility/2006" xmlns:mv="urn:schemas-microsoft-com:mac:vml" xmlns:p="http://schemas.openxmlformats.org/presentationml/2006/main" xmlns:c="http://schemas.openxmlformats.org/drawingml/2006/chart" xmlns:dgm="http://schemas.openxmlformats.org/drawingml/2006/diagram" xmlns:o="urn:schemas-microsoft-com:office:office" xmlns:v="urn:schemas-microsoft-com:vml" xmlns:pvml="urn:schemas-microsoft-com:office:powerpoint" xmlns:com="http://schemas.openxmlformats.org/drawingml/2006/compatibility" xmlns:p14="http://schemas.microsoft.com/office/powerpoint/2010/main" xmlns:p15="http://schemas.microsoft.com/office/powerpoint/2012/main">
+<p:sld xmlns:a="http://schemas.openxmlformats.org/drawingml/2006/main" xmlns:r="http://schemas.openxmlformats.org/officeDocument/2006/relationships" xmlns:mc="http://schemas.openxmlformats.org/markup-compatibility/2006" xmlns:mv="urn:schemas-microsoft-com:mac:vml" xmlns:p="http://schemas.openxmlformats.org/presentationml/2006/main" xmlns:c="http://schemas.openxmlformats.org/drawingml/2006/chart" xmlns:dgm="http://schemas.openxmlformats.org/drawingml/2006/diagram" xmlns:o="urn:schemas-microsoft-com:office:office" xmlns:v="urn:schemas-microsoft-com:vml" xmlns:pvml="urn:schemas-microsoft-com:office:powerpoint" xmlns:com="http://schemas.openxmlformats.org/drawingml/2006/compatibility" xmlns:p14="http://schemas.microsoft.com/office/powerpoint/2010/main" xmlns:p15="http://schemas.microsoft.com/office/powerpoint/2012/main" xmlns:ahyp="http://schemas.microsoft.com/office/drawing/2018/hyperlinkcolor">
   <p:cSld>
     <p:spTree>
       <p:nvGrpSpPr>
@@ -13538,7 +13538,7 @@
 </file>
 
 <file path=ppt/slides/slide12.xml><?xml version="1.0" encoding="utf-8"?>
-<p:sld xmlns:a="http://schemas.openxmlformats.org/drawingml/2006/main" xmlns:r="http://schemas.openxmlformats.org/officeDocument/2006/relationships" xmlns:mc="http://schemas.openxmlformats.org/markup-compatibility/2006" xmlns:mv="urn:schemas-microsoft-com:mac:vml" xmlns:p="http://schemas.openxmlformats.org/presentationml/2006/main" xmlns:c="http://schemas.openxmlformats.org/drawingml/2006/chart" xmlns:dgm="http://schemas.openxmlformats.org/drawingml/2006/diagram" xmlns:o="urn:schemas-microsoft-com:office:office" xmlns:v="urn:schemas-microsoft-com:vml" xmlns:pvml="urn:schemas-microsoft-com:office:powerpoint" xmlns:com="http://schemas.openxmlformats.org/drawingml/2006/compatibility" xmlns:p14="http://schemas.microsoft.com/office/powerpoint/2010/main" xmlns:p15="http://schemas.microsoft.com/office/powerpoint/2012/main">
+<p:sld xmlns:a="http://schemas.openxmlformats.org/drawingml/2006/main" xmlns:r="http://schemas.openxmlformats.org/officeDocument/2006/relationships" xmlns:mc="http://schemas.openxmlformats.org/markup-compatibility/2006" xmlns:mv="urn:schemas-microsoft-com:mac:vml" xmlns:p="http://schemas.openxmlformats.org/presentationml/2006/main" xmlns:c="http://schemas.openxmlformats.org/drawingml/2006/chart" xmlns:dgm="http://schemas.openxmlformats.org/drawingml/2006/diagram" xmlns:o="urn:schemas-microsoft-com:office:office" xmlns:v="urn:schemas-microsoft-com:vml" xmlns:pvml="urn:schemas-microsoft-com:office:powerpoint" xmlns:com="http://schemas.openxmlformats.org/drawingml/2006/compatibility" xmlns:p14="http://schemas.microsoft.com/office/powerpoint/2010/main" xmlns:p15="http://schemas.microsoft.com/office/powerpoint/2012/main" xmlns:ahyp="http://schemas.microsoft.com/office/drawing/2018/hyperlinkcolor">
   <p:cSld>
     <p:spTree>
       <p:nvGrpSpPr>
@@ -13923,7 +13923,7 @@
 </file>
 
 <file path=ppt/slides/slide13.xml><?xml version="1.0" encoding="utf-8"?>
-<p:sld xmlns:a="http://schemas.openxmlformats.org/drawingml/2006/main" xmlns:r="http://schemas.openxmlformats.org/officeDocument/2006/relationships" xmlns:mc="http://schemas.openxmlformats.org/markup-compatibility/2006" xmlns:mv="urn:schemas-microsoft-com:mac:vml" xmlns:p="http://schemas.openxmlformats.org/presentationml/2006/main" xmlns:c="http://schemas.openxmlformats.org/drawingml/2006/chart" xmlns:dgm="http://schemas.openxmlformats.org/drawingml/2006/diagram" xmlns:o="urn:schemas-microsoft-com:office:office" xmlns:v="urn:schemas-microsoft-com:vml" xmlns:pvml="urn:schemas-microsoft-com:office:powerpoint" xmlns:com="http://schemas.openxmlformats.org/drawingml/2006/compatibility" xmlns:p14="http://schemas.microsoft.com/office/powerpoint/2010/main" xmlns:p15="http://schemas.microsoft.com/office/powerpoint/2012/main">
+<p:sld xmlns:a="http://schemas.openxmlformats.org/drawingml/2006/main" xmlns:r="http://schemas.openxmlformats.org/officeDocument/2006/relationships" xmlns:mc="http://schemas.openxmlformats.org/markup-compatibility/2006" xmlns:mv="urn:schemas-microsoft-com:mac:vml" xmlns:p="http://schemas.openxmlformats.org/presentationml/2006/main" xmlns:c="http://schemas.openxmlformats.org/drawingml/2006/chart" xmlns:dgm="http://schemas.openxmlformats.org/drawingml/2006/diagram" xmlns:o="urn:schemas-microsoft-com:office:office" xmlns:v="urn:schemas-microsoft-com:vml" xmlns:pvml="urn:schemas-microsoft-com:office:powerpoint" xmlns:com="http://schemas.openxmlformats.org/drawingml/2006/compatibility" xmlns:p14="http://schemas.microsoft.com/office/powerpoint/2010/main" xmlns:p15="http://schemas.microsoft.com/office/powerpoint/2012/main" xmlns:ahyp="http://schemas.microsoft.com/office/drawing/2018/hyperlinkcolor">
   <p:cSld>
     <p:spTree>
       <p:nvGrpSpPr>
@@ -14103,7 +14103,7 @@
 </file>
 
 <file path=ppt/slides/slide2.xml><?xml version="1.0" encoding="utf-8"?>
-<p:sld xmlns:a="http://schemas.openxmlformats.org/drawingml/2006/main" xmlns:r="http://schemas.openxmlformats.org/officeDocument/2006/relationships" xmlns:mc="http://schemas.openxmlformats.org/markup-compatibility/2006" xmlns:mv="urn:schemas-microsoft-com:mac:vml" xmlns:p="http://schemas.openxmlformats.org/presentationml/2006/main" xmlns:c="http://schemas.openxmlformats.org/drawingml/2006/chart" xmlns:dgm="http://schemas.openxmlformats.org/drawingml/2006/diagram" xmlns:o="urn:schemas-microsoft-com:office:office" xmlns:v="urn:schemas-microsoft-com:vml" xmlns:pvml="urn:schemas-microsoft-com:office:powerpoint" xmlns:com="http://schemas.openxmlformats.org/drawingml/2006/compatibility" xmlns:p14="http://schemas.microsoft.com/office/powerpoint/2010/main" xmlns:p15="http://schemas.microsoft.com/office/powerpoint/2012/main">
+<p:sld xmlns:a="http://schemas.openxmlformats.org/drawingml/2006/main" xmlns:r="http://schemas.openxmlformats.org/officeDocument/2006/relationships" xmlns:mc="http://schemas.openxmlformats.org/markup-compatibility/2006" xmlns:mv="urn:schemas-microsoft-com:mac:vml" xmlns:p="http://schemas.openxmlformats.org/presentationml/2006/main" xmlns:c="http://schemas.openxmlformats.org/drawingml/2006/chart" xmlns:dgm="http://schemas.openxmlformats.org/drawingml/2006/diagram" xmlns:o="urn:schemas-microsoft-com:office:office" xmlns:v="urn:schemas-microsoft-com:vml" xmlns:pvml="urn:schemas-microsoft-com:office:powerpoint" xmlns:com="http://schemas.openxmlformats.org/drawingml/2006/compatibility" xmlns:p14="http://schemas.microsoft.com/office/powerpoint/2010/main" xmlns:p15="http://schemas.microsoft.com/office/powerpoint/2012/main" xmlns:ahyp="http://schemas.microsoft.com/office/drawing/2018/hyperlinkcolor">
   <p:cSld>
     <p:spTree>
       <p:nvGrpSpPr>
@@ -14276,7 +14276,7 @@
 </file>
 
 <file path=ppt/slides/slide3.xml><?xml version="1.0" encoding="utf-8"?>
-<p:sld xmlns:a="http://schemas.openxmlformats.org/drawingml/2006/main" xmlns:r="http://schemas.openxmlformats.org/officeDocument/2006/relationships" xmlns:mc="http://schemas.openxmlformats.org/markup-compatibility/2006" xmlns:mv="urn:schemas-microsoft-com:mac:vml" xmlns:p="http://schemas.openxmlformats.org/presentationml/2006/main" xmlns:c="http://schemas.openxmlformats.org/drawingml/2006/chart" xmlns:dgm="http://schemas.openxmlformats.org/drawingml/2006/diagram" xmlns:o="urn:schemas-microsoft-com:office:office" xmlns:v="urn:schemas-microsoft-com:vml" xmlns:pvml="urn:schemas-microsoft-com:office:powerpoint" xmlns:com="http://schemas.openxmlformats.org/drawingml/2006/compatibility" xmlns:p14="http://schemas.microsoft.com/office/powerpoint/2010/main" xmlns:p15="http://schemas.microsoft.com/office/powerpoint/2012/main">
+<p:sld xmlns:a="http://schemas.openxmlformats.org/drawingml/2006/main" xmlns:r="http://schemas.openxmlformats.org/officeDocument/2006/relationships" xmlns:mc="http://schemas.openxmlformats.org/markup-compatibility/2006" xmlns:mv="urn:schemas-microsoft-com:mac:vml" xmlns:p="http://schemas.openxmlformats.org/presentationml/2006/main" xmlns:c="http://schemas.openxmlformats.org/drawingml/2006/chart" xmlns:dgm="http://schemas.openxmlformats.org/drawingml/2006/diagram" xmlns:o="urn:schemas-microsoft-com:office:office" xmlns:v="urn:schemas-microsoft-com:vml" xmlns:pvml="urn:schemas-microsoft-com:office:powerpoint" xmlns:com="http://schemas.openxmlformats.org/drawingml/2006/compatibility" xmlns:p14="http://schemas.microsoft.com/office/powerpoint/2010/main" xmlns:p15="http://schemas.microsoft.com/office/powerpoint/2012/main" xmlns:ahyp="http://schemas.microsoft.com/office/drawing/2018/hyperlinkcolor">
   <p:cSld>
     <p:spTree>
       <p:nvGrpSpPr>
@@ -14594,7 +14594,7 @@
 </file>
 
 <file path=ppt/slides/slide4.xml><?xml version="1.0" encoding="utf-8"?>
-<p:sld xmlns:a="http://schemas.openxmlformats.org/drawingml/2006/main" xmlns:r="http://schemas.openxmlformats.org/officeDocument/2006/relationships" xmlns:mc="http://schemas.openxmlformats.org/markup-compatibility/2006" xmlns:mv="urn:schemas-microsoft-com:mac:vml" xmlns:p="http://schemas.openxmlformats.org/presentationml/2006/main" xmlns:c="http://schemas.openxmlformats.org/drawingml/2006/chart" xmlns:dgm="http://schemas.openxmlformats.org/drawingml/2006/diagram" xmlns:o="urn:schemas-microsoft-com:office:office" xmlns:v="urn:schemas-microsoft-com:vml" xmlns:pvml="urn:schemas-microsoft-com:office:powerpoint" xmlns:com="http://schemas.openxmlformats.org/drawingml/2006/compatibility" xmlns:p14="http://schemas.microsoft.com/office/powerpoint/2010/main" xmlns:p15="http://schemas.microsoft.com/office/powerpoint/2012/main">
+<p:sld xmlns:a="http://schemas.openxmlformats.org/drawingml/2006/main" xmlns:r="http://schemas.openxmlformats.org/officeDocument/2006/relationships" xmlns:mc="http://schemas.openxmlformats.org/markup-compatibility/2006" xmlns:mv="urn:schemas-microsoft-com:mac:vml" xmlns:p="http://schemas.openxmlformats.org/presentationml/2006/main" xmlns:c="http://schemas.openxmlformats.org/drawingml/2006/chart" xmlns:dgm="http://schemas.openxmlformats.org/drawingml/2006/diagram" xmlns:o="urn:schemas-microsoft-com:office:office" xmlns:v="urn:schemas-microsoft-com:vml" xmlns:pvml="urn:schemas-microsoft-com:office:powerpoint" xmlns:com="http://schemas.openxmlformats.org/drawingml/2006/compatibility" xmlns:p14="http://schemas.microsoft.com/office/powerpoint/2010/main" xmlns:p15="http://schemas.microsoft.com/office/powerpoint/2012/main" xmlns:ahyp="http://schemas.microsoft.com/office/drawing/2018/hyperlinkcolor">
   <p:cSld>
     <p:spTree>
       <p:nvGrpSpPr>
@@ -15321,7 +15321,7 @@
 </file>
 
 <file path=ppt/slides/slide5.xml><?xml version="1.0" encoding="utf-8"?>
-<p:sld xmlns:a="http://schemas.openxmlformats.org/drawingml/2006/main" xmlns:r="http://schemas.openxmlformats.org/officeDocument/2006/relationships" xmlns:mc="http://schemas.openxmlformats.org/markup-compatibility/2006" xmlns:mv="urn:schemas-microsoft-com:mac:vml" xmlns:p="http://schemas.openxmlformats.org/presentationml/2006/main" xmlns:c="http://schemas.openxmlformats.org/drawingml/2006/chart" xmlns:dgm="http://schemas.openxmlformats.org/drawingml/2006/diagram" xmlns:o="urn:schemas-microsoft-com:office:office" xmlns:v="urn:schemas-microsoft-com:vml" xmlns:pvml="urn:schemas-microsoft-com:office:powerpoint" xmlns:com="http://schemas.openxmlformats.org/drawingml/2006/compatibility" xmlns:p14="http://schemas.microsoft.com/office/powerpoint/2010/main" xmlns:p15="http://schemas.microsoft.com/office/powerpoint/2012/main">
+<p:sld xmlns:a="http://schemas.openxmlformats.org/drawingml/2006/main" xmlns:r="http://schemas.openxmlformats.org/officeDocument/2006/relationships" xmlns:mc="http://schemas.openxmlformats.org/markup-compatibility/2006" xmlns:mv="urn:schemas-microsoft-com:mac:vml" xmlns:p="http://schemas.openxmlformats.org/presentationml/2006/main" xmlns:c="http://schemas.openxmlformats.org/drawingml/2006/chart" xmlns:dgm="http://schemas.openxmlformats.org/drawingml/2006/diagram" xmlns:o="urn:schemas-microsoft-com:office:office" xmlns:v="urn:schemas-microsoft-com:vml" xmlns:pvml="urn:schemas-microsoft-com:office:powerpoint" xmlns:com="http://schemas.openxmlformats.org/drawingml/2006/compatibility" xmlns:p14="http://schemas.microsoft.com/office/powerpoint/2010/main" xmlns:p15="http://schemas.microsoft.com/office/powerpoint/2012/main" xmlns:ahyp="http://schemas.microsoft.com/office/drawing/2018/hyperlinkcolor">
   <p:cSld>
     <p:spTree>
       <p:nvGrpSpPr>
@@ -16356,7 +16356,7 @@
 </file>
 
 <file path=ppt/slides/slide6.xml><?xml version="1.0" encoding="utf-8"?>
-<p:sld xmlns:a="http://schemas.openxmlformats.org/drawingml/2006/main" xmlns:r="http://schemas.openxmlformats.org/officeDocument/2006/relationships" xmlns:mc="http://schemas.openxmlformats.org/markup-compatibility/2006" xmlns:mv="urn:schemas-microsoft-com:mac:vml" xmlns:p="http://schemas.openxmlformats.org/presentationml/2006/main" xmlns:c="http://schemas.openxmlformats.org/drawingml/2006/chart" xmlns:dgm="http://schemas.openxmlformats.org/drawingml/2006/diagram" xmlns:o="urn:schemas-microsoft-com:office:office" xmlns:v="urn:schemas-microsoft-com:vml" xmlns:pvml="urn:schemas-microsoft-com:office:powerpoint" xmlns:com="http://schemas.openxmlformats.org/drawingml/2006/compatibility" xmlns:p14="http://schemas.microsoft.com/office/powerpoint/2010/main" xmlns:p15="http://schemas.microsoft.com/office/powerpoint/2012/main">
+<p:sld xmlns:a="http://schemas.openxmlformats.org/drawingml/2006/main" xmlns:r="http://schemas.openxmlformats.org/officeDocument/2006/relationships" xmlns:mc="http://schemas.openxmlformats.org/markup-compatibility/2006" xmlns:mv="urn:schemas-microsoft-com:mac:vml" xmlns:p="http://schemas.openxmlformats.org/presentationml/2006/main" xmlns:c="http://schemas.openxmlformats.org/drawingml/2006/chart" xmlns:dgm="http://schemas.openxmlformats.org/drawingml/2006/diagram" xmlns:o="urn:schemas-microsoft-com:office:office" xmlns:v="urn:schemas-microsoft-com:vml" xmlns:pvml="urn:schemas-microsoft-com:office:powerpoint" xmlns:com="http://schemas.openxmlformats.org/drawingml/2006/compatibility" xmlns:p14="http://schemas.microsoft.com/office/powerpoint/2010/main" xmlns:p15="http://schemas.microsoft.com/office/powerpoint/2012/main" xmlns:ahyp="http://schemas.microsoft.com/office/drawing/2018/hyperlinkcolor">
   <p:cSld>
     <p:spTree>
       <p:nvGrpSpPr>
@@ -17167,7 +17167,7 @@
 </file>
 
 <file path=ppt/slides/slide7.xml><?xml version="1.0" encoding="utf-8"?>
-<p:sld xmlns:a="http://schemas.openxmlformats.org/drawingml/2006/main" xmlns:r="http://schemas.openxmlformats.org/officeDocument/2006/relationships" xmlns:mc="http://schemas.openxmlformats.org/markup-compatibility/2006" xmlns:mv="urn:schemas-microsoft-com:mac:vml" xmlns:p="http://schemas.openxmlformats.org/presentationml/2006/main" xmlns:c="http://schemas.openxmlformats.org/drawingml/2006/chart" xmlns:dgm="http://schemas.openxmlformats.org/drawingml/2006/diagram" xmlns:o="urn:schemas-microsoft-com:office:office" xmlns:v="urn:schemas-microsoft-com:vml" xmlns:pvml="urn:schemas-microsoft-com:office:powerpoint" xmlns:com="http://schemas.openxmlformats.org/drawingml/2006/compatibility" xmlns:p14="http://schemas.microsoft.com/office/powerpoint/2010/main" xmlns:p15="http://schemas.microsoft.com/office/powerpoint/2012/main">
+<p:sld xmlns:a="http://schemas.openxmlformats.org/drawingml/2006/main" xmlns:r="http://schemas.openxmlformats.org/officeDocument/2006/relationships" xmlns:mc="http://schemas.openxmlformats.org/markup-compatibility/2006" xmlns:mv="urn:schemas-microsoft-com:mac:vml" xmlns:p="http://schemas.openxmlformats.org/presentationml/2006/main" xmlns:c="http://schemas.openxmlformats.org/drawingml/2006/chart" xmlns:dgm="http://schemas.openxmlformats.org/drawingml/2006/diagram" xmlns:o="urn:schemas-microsoft-com:office:office" xmlns:v="urn:schemas-microsoft-com:vml" xmlns:pvml="urn:schemas-microsoft-com:office:powerpoint" xmlns:com="http://schemas.openxmlformats.org/drawingml/2006/compatibility" xmlns:p14="http://schemas.microsoft.com/office/powerpoint/2010/main" xmlns:p15="http://schemas.microsoft.com/office/powerpoint/2012/main" xmlns:ahyp="http://schemas.microsoft.com/office/drawing/2018/hyperlinkcolor">
   <p:cSld>
     <p:spTree>
       <p:nvGrpSpPr>
@@ -18397,7 +18397,7 @@
 </file>
 
 <file path=ppt/slides/slide8.xml><?xml version="1.0" encoding="utf-8"?>
-<p:sld xmlns:a="http://schemas.openxmlformats.org/drawingml/2006/main" xmlns:r="http://schemas.openxmlformats.org/officeDocument/2006/relationships" xmlns:mc="http://schemas.openxmlformats.org/markup-compatibility/2006" xmlns:mv="urn:schemas-microsoft-com:mac:vml" xmlns:p="http://schemas.openxmlformats.org/presentationml/2006/main" xmlns:c="http://schemas.openxmlformats.org/drawingml/2006/chart" xmlns:dgm="http://schemas.openxmlformats.org/drawingml/2006/diagram" xmlns:o="urn:schemas-microsoft-com:office:office" xmlns:v="urn:schemas-microsoft-com:vml" xmlns:pvml="urn:schemas-microsoft-com:office:powerpoint" xmlns:com="http://schemas.openxmlformats.org/drawingml/2006/compatibility" xmlns:p14="http://schemas.microsoft.com/office/powerpoint/2010/main" xmlns:p15="http://schemas.microsoft.com/office/powerpoint/2012/main">
+<p:sld xmlns:a="http://schemas.openxmlformats.org/drawingml/2006/main" xmlns:r="http://schemas.openxmlformats.org/officeDocument/2006/relationships" xmlns:mc="http://schemas.openxmlformats.org/markup-compatibility/2006" xmlns:mv="urn:schemas-microsoft-com:mac:vml" xmlns:p="http://schemas.openxmlformats.org/presentationml/2006/main" xmlns:c="http://schemas.openxmlformats.org/drawingml/2006/chart" xmlns:dgm="http://schemas.openxmlformats.org/drawingml/2006/diagram" xmlns:o="urn:schemas-microsoft-com:office:office" xmlns:v="urn:schemas-microsoft-com:vml" xmlns:pvml="urn:schemas-microsoft-com:office:powerpoint" xmlns:com="http://schemas.openxmlformats.org/drawingml/2006/compatibility" xmlns:p14="http://schemas.microsoft.com/office/powerpoint/2010/main" xmlns:p15="http://schemas.microsoft.com/office/powerpoint/2012/main" xmlns:ahyp="http://schemas.microsoft.com/office/drawing/2018/hyperlinkcolor">
   <p:cSld>
     <p:spTree>
       <p:nvGrpSpPr>
@@ -18834,7 +18834,7 @@
 </file>
 
 <file path=ppt/slides/slide9.xml><?xml version="1.0" encoding="utf-8"?>
-<p:sld xmlns:a="http://schemas.openxmlformats.org/drawingml/2006/main" xmlns:r="http://schemas.openxmlformats.org/officeDocument/2006/relationships" xmlns:mc="http://schemas.openxmlformats.org/markup-compatibility/2006" xmlns:mv="urn:schemas-microsoft-com:mac:vml" xmlns:p="http://schemas.openxmlformats.org/presentationml/2006/main" xmlns:c="http://schemas.openxmlformats.org/drawingml/2006/chart" xmlns:dgm="http://schemas.openxmlformats.org/drawingml/2006/diagram" xmlns:o="urn:schemas-microsoft-com:office:office" xmlns:v="urn:schemas-microsoft-com:vml" xmlns:pvml="urn:schemas-microsoft-com:office:powerpoint" xmlns:com="http://schemas.openxmlformats.org/drawingml/2006/compatibility" xmlns:p14="http://schemas.microsoft.com/office/powerpoint/2010/main" xmlns:p15="http://schemas.microsoft.com/office/powerpoint/2012/main">
+<p:sld xmlns:a="http://schemas.openxmlformats.org/drawingml/2006/main" xmlns:r="http://schemas.openxmlformats.org/officeDocument/2006/relationships" xmlns:mc="http://schemas.openxmlformats.org/markup-compatibility/2006" xmlns:mv="urn:schemas-microsoft-com:mac:vml" xmlns:p="http://schemas.openxmlformats.org/presentationml/2006/main" xmlns:c="http://schemas.openxmlformats.org/drawingml/2006/chart" xmlns:dgm="http://schemas.openxmlformats.org/drawingml/2006/diagram" xmlns:o="urn:schemas-microsoft-com:office:office" xmlns:v="urn:schemas-microsoft-com:vml" xmlns:pvml="urn:schemas-microsoft-com:office:powerpoint" xmlns:com="http://schemas.openxmlformats.org/drawingml/2006/compatibility" xmlns:p14="http://schemas.microsoft.com/office/powerpoint/2010/main" xmlns:p15="http://schemas.microsoft.com/office/powerpoint/2012/main" xmlns:ahyp="http://schemas.microsoft.com/office/drawing/2018/hyperlinkcolor">
   <p:cSld>
     <p:spTree>
       <p:nvGrpSpPr>
